--- a/presentation.pptx
+++ b/presentation.pptx
@@ -7,6 +7,14 @@
   <p:sldIdLst>
     <p:sldId id="257" r:id="rId2"/>
     <p:sldId id="258" r:id="rId3"/>
+    <p:sldId id="259" r:id="rId4"/>
+    <p:sldId id="260" r:id="rId5"/>
+    <p:sldId id="261" r:id="rId6"/>
+    <p:sldId id="262" r:id="rId7"/>
+    <p:sldId id="263" r:id="rId8"/>
+    <p:sldId id="264" r:id="rId9"/>
+    <p:sldId id="265" r:id="rId10"/>
+    <p:sldId id="266" r:id="rId11"/>
   </p:sldIdLst>
   <p:sldSz cx="12192000" cy="6858000"/>
   <p:notesSz cx="6858000" cy="9144000"/>
@@ -113,6 +121,2833 @@
 </p:presentation>
 </file>
 
+<file path=ppt/diagrams/colors1.xml><?xml version="1.0" encoding="utf-8"?>
+<dgm:colorsDef xmlns:dgm="http://schemas.openxmlformats.org/drawingml/2006/diagram" xmlns:a="http://schemas.openxmlformats.org/drawingml/2006/main" uniqueId="urn:microsoft.com/office/officeart/2005/8/colors/accent3_2">
+  <dgm:title val=""/>
+  <dgm:desc val=""/>
+  <dgm:catLst>
+    <dgm:cat type="accent3" pri="11200"/>
+  </dgm:catLst>
+  <dgm:styleLbl name="node0">
+    <dgm:fillClrLst meth="repeat">
+      <a:schemeClr val="accent3"/>
+    </dgm:fillClrLst>
+    <dgm:linClrLst meth="repeat">
+      <a:schemeClr val="lt1"/>
+    </dgm:linClrLst>
+    <dgm:effectClrLst/>
+    <dgm:txLinClrLst/>
+    <dgm:txFillClrLst/>
+    <dgm:txEffectClrLst/>
+  </dgm:styleLbl>
+  <dgm:styleLbl name="node1">
+    <dgm:fillClrLst meth="repeat">
+      <a:schemeClr val="accent3"/>
+    </dgm:fillClrLst>
+    <dgm:linClrLst meth="repeat">
+      <a:schemeClr val="lt1"/>
+    </dgm:linClrLst>
+    <dgm:effectClrLst/>
+    <dgm:txLinClrLst/>
+    <dgm:txFillClrLst/>
+    <dgm:txEffectClrLst/>
+  </dgm:styleLbl>
+  <dgm:styleLbl name="alignNode1">
+    <dgm:fillClrLst meth="repeat">
+      <a:schemeClr val="accent3"/>
+    </dgm:fillClrLst>
+    <dgm:linClrLst meth="repeat">
+      <a:schemeClr val="accent3"/>
+    </dgm:linClrLst>
+    <dgm:effectClrLst/>
+    <dgm:txLinClrLst/>
+    <dgm:txFillClrLst/>
+    <dgm:txEffectClrLst/>
+  </dgm:styleLbl>
+  <dgm:styleLbl name="lnNode1">
+    <dgm:fillClrLst meth="repeat">
+      <a:schemeClr val="accent3"/>
+    </dgm:fillClrLst>
+    <dgm:linClrLst meth="repeat">
+      <a:schemeClr val="lt1"/>
+    </dgm:linClrLst>
+    <dgm:effectClrLst/>
+    <dgm:txLinClrLst/>
+    <dgm:txFillClrLst/>
+    <dgm:txEffectClrLst/>
+  </dgm:styleLbl>
+  <dgm:styleLbl name="vennNode1">
+    <dgm:fillClrLst meth="repeat">
+      <a:schemeClr val="accent3">
+        <a:alpha val="50000"/>
+      </a:schemeClr>
+    </dgm:fillClrLst>
+    <dgm:linClrLst meth="repeat">
+      <a:schemeClr val="lt1"/>
+    </dgm:linClrLst>
+    <dgm:effectClrLst/>
+    <dgm:txLinClrLst/>
+    <dgm:txFillClrLst/>
+    <dgm:txEffectClrLst/>
+  </dgm:styleLbl>
+  <dgm:styleLbl name="node2">
+    <dgm:fillClrLst meth="repeat">
+      <a:schemeClr val="accent3"/>
+    </dgm:fillClrLst>
+    <dgm:linClrLst meth="repeat">
+      <a:schemeClr val="lt1"/>
+    </dgm:linClrLst>
+    <dgm:effectClrLst/>
+    <dgm:txLinClrLst/>
+    <dgm:txFillClrLst/>
+    <dgm:txEffectClrLst/>
+  </dgm:styleLbl>
+  <dgm:styleLbl name="node3">
+    <dgm:fillClrLst meth="repeat">
+      <a:schemeClr val="accent3"/>
+    </dgm:fillClrLst>
+    <dgm:linClrLst meth="repeat">
+      <a:schemeClr val="lt1"/>
+    </dgm:linClrLst>
+    <dgm:effectClrLst/>
+    <dgm:txLinClrLst/>
+    <dgm:txFillClrLst/>
+    <dgm:txEffectClrLst/>
+  </dgm:styleLbl>
+  <dgm:styleLbl name="node4">
+    <dgm:fillClrLst meth="repeat">
+      <a:schemeClr val="accent3"/>
+    </dgm:fillClrLst>
+    <dgm:linClrLst meth="repeat">
+      <a:schemeClr val="lt1"/>
+    </dgm:linClrLst>
+    <dgm:effectClrLst/>
+    <dgm:txLinClrLst/>
+    <dgm:txFillClrLst/>
+    <dgm:txEffectClrLst/>
+  </dgm:styleLbl>
+  <dgm:styleLbl name="fgImgPlace1">
+    <dgm:fillClrLst meth="repeat">
+      <a:schemeClr val="accent3">
+        <a:tint val="50000"/>
+      </a:schemeClr>
+    </dgm:fillClrLst>
+    <dgm:linClrLst meth="repeat">
+      <a:schemeClr val="lt1"/>
+    </dgm:linClrLst>
+    <dgm:effectClrLst/>
+    <dgm:txLinClrLst/>
+    <dgm:txFillClrLst meth="repeat">
+      <a:schemeClr val="lt1"/>
+    </dgm:txFillClrLst>
+    <dgm:txEffectClrLst/>
+  </dgm:styleLbl>
+  <dgm:styleLbl name="alignImgPlace1">
+    <dgm:fillClrLst meth="repeat">
+      <a:schemeClr val="accent3">
+        <a:tint val="50000"/>
+      </a:schemeClr>
+    </dgm:fillClrLst>
+    <dgm:linClrLst meth="repeat">
+      <a:schemeClr val="lt1"/>
+    </dgm:linClrLst>
+    <dgm:effectClrLst/>
+    <dgm:txLinClrLst/>
+    <dgm:txFillClrLst meth="repeat">
+      <a:schemeClr val="lt1"/>
+    </dgm:txFillClrLst>
+    <dgm:txEffectClrLst/>
+  </dgm:styleLbl>
+  <dgm:styleLbl name="bgImgPlace1">
+    <dgm:fillClrLst meth="repeat">
+      <a:schemeClr val="accent3">
+        <a:tint val="50000"/>
+      </a:schemeClr>
+    </dgm:fillClrLst>
+    <dgm:linClrLst meth="repeat">
+      <a:schemeClr val="lt1"/>
+    </dgm:linClrLst>
+    <dgm:effectClrLst/>
+    <dgm:txLinClrLst/>
+    <dgm:txFillClrLst meth="repeat">
+      <a:schemeClr val="lt1"/>
+    </dgm:txFillClrLst>
+    <dgm:txEffectClrLst/>
+  </dgm:styleLbl>
+  <dgm:styleLbl name="sibTrans2D1">
+    <dgm:fillClrLst meth="repeat">
+      <a:schemeClr val="accent3">
+        <a:tint val="60000"/>
+      </a:schemeClr>
+    </dgm:fillClrLst>
+    <dgm:linClrLst meth="repeat">
+      <a:schemeClr val="accent3">
+        <a:tint val="60000"/>
+      </a:schemeClr>
+    </dgm:linClrLst>
+    <dgm:effectClrLst/>
+    <dgm:txLinClrLst/>
+    <dgm:txFillClrLst/>
+    <dgm:txEffectClrLst/>
+  </dgm:styleLbl>
+  <dgm:styleLbl name="fgSibTrans2D1">
+    <dgm:fillClrLst meth="repeat">
+      <a:schemeClr val="accent3">
+        <a:tint val="60000"/>
+      </a:schemeClr>
+    </dgm:fillClrLst>
+    <dgm:linClrLst meth="repeat">
+      <a:schemeClr val="accent3">
+        <a:tint val="60000"/>
+      </a:schemeClr>
+    </dgm:linClrLst>
+    <dgm:effectClrLst/>
+    <dgm:txLinClrLst/>
+    <dgm:txFillClrLst/>
+    <dgm:txEffectClrLst/>
+  </dgm:styleLbl>
+  <dgm:styleLbl name="bgSibTrans2D1">
+    <dgm:fillClrLst meth="repeat">
+      <a:schemeClr val="accent3">
+        <a:tint val="60000"/>
+      </a:schemeClr>
+    </dgm:fillClrLst>
+    <dgm:linClrLst meth="repeat">
+      <a:schemeClr val="accent3">
+        <a:tint val="60000"/>
+      </a:schemeClr>
+    </dgm:linClrLst>
+    <dgm:effectClrLst/>
+    <dgm:txLinClrLst/>
+    <dgm:txFillClrLst/>
+    <dgm:txEffectClrLst/>
+  </dgm:styleLbl>
+  <dgm:styleLbl name="sibTrans1D1">
+    <dgm:fillClrLst meth="repeat">
+      <a:schemeClr val="accent3"/>
+    </dgm:fillClrLst>
+    <dgm:linClrLst meth="repeat">
+      <a:schemeClr val="accent3"/>
+    </dgm:linClrLst>
+    <dgm:effectClrLst/>
+    <dgm:txLinClrLst/>
+    <dgm:txFillClrLst meth="repeat">
+      <a:schemeClr val="tx1"/>
+    </dgm:txFillClrLst>
+    <dgm:txEffectClrLst/>
+  </dgm:styleLbl>
+  <dgm:styleLbl name="callout">
+    <dgm:fillClrLst meth="repeat">
+      <a:schemeClr val="accent3"/>
+    </dgm:fillClrLst>
+    <dgm:linClrLst meth="repeat">
+      <a:schemeClr val="accent3">
+        <a:tint val="50000"/>
+      </a:schemeClr>
+    </dgm:linClrLst>
+    <dgm:effectClrLst/>
+    <dgm:txLinClrLst/>
+    <dgm:txFillClrLst meth="repeat">
+      <a:schemeClr val="tx1"/>
+    </dgm:txFillClrLst>
+    <dgm:txEffectClrLst/>
+  </dgm:styleLbl>
+  <dgm:styleLbl name="asst0">
+    <dgm:fillClrLst meth="repeat">
+      <a:schemeClr val="accent3"/>
+    </dgm:fillClrLst>
+    <dgm:linClrLst meth="repeat">
+      <a:schemeClr val="lt1"/>
+    </dgm:linClrLst>
+    <dgm:effectClrLst/>
+    <dgm:txLinClrLst/>
+    <dgm:txFillClrLst/>
+    <dgm:txEffectClrLst/>
+  </dgm:styleLbl>
+  <dgm:styleLbl name="asst1">
+    <dgm:fillClrLst meth="repeat">
+      <a:schemeClr val="accent3"/>
+    </dgm:fillClrLst>
+    <dgm:linClrLst meth="repeat">
+      <a:schemeClr val="lt1"/>
+    </dgm:linClrLst>
+    <dgm:effectClrLst/>
+    <dgm:txLinClrLst/>
+    <dgm:txFillClrLst/>
+    <dgm:txEffectClrLst/>
+  </dgm:styleLbl>
+  <dgm:styleLbl name="asst2">
+    <dgm:fillClrLst meth="repeat">
+      <a:schemeClr val="accent3"/>
+    </dgm:fillClrLst>
+    <dgm:linClrLst meth="repeat">
+      <a:schemeClr val="lt1"/>
+    </dgm:linClrLst>
+    <dgm:effectClrLst/>
+    <dgm:txLinClrLst/>
+    <dgm:txFillClrLst/>
+    <dgm:txEffectClrLst/>
+  </dgm:styleLbl>
+  <dgm:styleLbl name="asst3">
+    <dgm:fillClrLst meth="repeat">
+      <a:schemeClr val="accent3"/>
+    </dgm:fillClrLst>
+    <dgm:linClrLst meth="repeat">
+      <a:schemeClr val="lt1"/>
+    </dgm:linClrLst>
+    <dgm:effectClrLst/>
+    <dgm:txLinClrLst/>
+    <dgm:txFillClrLst/>
+    <dgm:txEffectClrLst/>
+  </dgm:styleLbl>
+  <dgm:styleLbl name="asst4">
+    <dgm:fillClrLst meth="repeat">
+      <a:schemeClr val="accent3"/>
+    </dgm:fillClrLst>
+    <dgm:linClrLst meth="repeat">
+      <a:schemeClr val="lt1"/>
+    </dgm:linClrLst>
+    <dgm:effectClrLst/>
+    <dgm:txLinClrLst/>
+    <dgm:txFillClrLst/>
+    <dgm:txEffectClrLst/>
+  </dgm:styleLbl>
+  <dgm:styleLbl name="parChTrans2D1">
+    <dgm:fillClrLst meth="repeat">
+      <a:schemeClr val="accent3">
+        <a:tint val="60000"/>
+      </a:schemeClr>
+    </dgm:fillClrLst>
+    <dgm:linClrLst meth="repeat">
+      <a:schemeClr val="accent3">
+        <a:tint val="60000"/>
+      </a:schemeClr>
+    </dgm:linClrLst>
+    <dgm:effectClrLst/>
+    <dgm:txLinClrLst/>
+    <dgm:txFillClrLst meth="repeat">
+      <a:schemeClr val="lt1"/>
+    </dgm:txFillClrLst>
+    <dgm:txEffectClrLst/>
+  </dgm:styleLbl>
+  <dgm:styleLbl name="parChTrans2D2">
+    <dgm:fillClrLst meth="repeat">
+      <a:schemeClr val="accent3"/>
+    </dgm:fillClrLst>
+    <dgm:linClrLst meth="repeat">
+      <a:schemeClr val="accent3"/>
+    </dgm:linClrLst>
+    <dgm:effectClrLst/>
+    <dgm:txLinClrLst/>
+    <dgm:txFillClrLst meth="repeat">
+      <a:schemeClr val="lt1"/>
+    </dgm:txFillClrLst>
+    <dgm:txEffectClrLst/>
+  </dgm:styleLbl>
+  <dgm:styleLbl name="parChTrans2D3">
+    <dgm:fillClrLst meth="repeat">
+      <a:schemeClr val="accent3"/>
+    </dgm:fillClrLst>
+    <dgm:linClrLst meth="repeat">
+      <a:schemeClr val="accent3"/>
+    </dgm:linClrLst>
+    <dgm:effectClrLst/>
+    <dgm:txLinClrLst/>
+    <dgm:txFillClrLst meth="repeat">
+      <a:schemeClr val="lt1"/>
+    </dgm:txFillClrLst>
+    <dgm:txEffectClrLst/>
+  </dgm:styleLbl>
+  <dgm:styleLbl name="parChTrans2D4">
+    <dgm:fillClrLst meth="repeat">
+      <a:schemeClr val="accent3"/>
+    </dgm:fillClrLst>
+    <dgm:linClrLst meth="repeat">
+      <a:schemeClr val="accent3"/>
+    </dgm:linClrLst>
+    <dgm:effectClrLst/>
+    <dgm:txLinClrLst/>
+    <dgm:txFillClrLst meth="repeat">
+      <a:schemeClr val="lt1"/>
+    </dgm:txFillClrLst>
+    <dgm:txEffectClrLst/>
+  </dgm:styleLbl>
+  <dgm:styleLbl name="parChTrans1D1">
+    <dgm:fillClrLst meth="repeat">
+      <a:schemeClr val="accent3"/>
+    </dgm:fillClrLst>
+    <dgm:linClrLst meth="repeat">
+      <a:schemeClr val="accent3">
+        <a:shade val="60000"/>
+      </a:schemeClr>
+    </dgm:linClrLst>
+    <dgm:effectClrLst/>
+    <dgm:txLinClrLst/>
+    <dgm:txFillClrLst meth="repeat">
+      <a:schemeClr val="tx1"/>
+    </dgm:txFillClrLst>
+    <dgm:txEffectClrLst/>
+  </dgm:styleLbl>
+  <dgm:styleLbl name="parChTrans1D2">
+    <dgm:fillClrLst meth="repeat">
+      <a:schemeClr val="accent3"/>
+    </dgm:fillClrLst>
+    <dgm:linClrLst meth="repeat">
+      <a:schemeClr val="accent3">
+        <a:shade val="60000"/>
+      </a:schemeClr>
+    </dgm:linClrLst>
+    <dgm:effectClrLst/>
+    <dgm:txLinClrLst/>
+    <dgm:txFillClrLst meth="repeat">
+      <a:schemeClr val="tx1"/>
+    </dgm:txFillClrLst>
+    <dgm:txEffectClrLst/>
+  </dgm:styleLbl>
+  <dgm:styleLbl name="parChTrans1D3">
+    <dgm:fillClrLst meth="repeat">
+      <a:schemeClr val="accent3"/>
+    </dgm:fillClrLst>
+    <dgm:linClrLst meth="repeat">
+      <a:schemeClr val="accent3">
+        <a:shade val="80000"/>
+      </a:schemeClr>
+    </dgm:linClrLst>
+    <dgm:effectClrLst/>
+    <dgm:txLinClrLst/>
+    <dgm:txFillClrLst meth="repeat">
+      <a:schemeClr val="tx1"/>
+    </dgm:txFillClrLst>
+    <dgm:txEffectClrLst/>
+  </dgm:styleLbl>
+  <dgm:styleLbl name="parChTrans1D4">
+    <dgm:fillClrLst meth="repeat">
+      <a:schemeClr val="accent3"/>
+    </dgm:fillClrLst>
+    <dgm:linClrLst meth="repeat">
+      <a:schemeClr val="accent3">
+        <a:shade val="80000"/>
+      </a:schemeClr>
+    </dgm:linClrLst>
+    <dgm:effectClrLst/>
+    <dgm:txLinClrLst/>
+    <dgm:txFillClrLst meth="repeat">
+      <a:schemeClr val="tx1"/>
+    </dgm:txFillClrLst>
+    <dgm:txEffectClrLst/>
+  </dgm:styleLbl>
+  <dgm:styleLbl name="fgAcc1">
+    <dgm:fillClrLst meth="repeat">
+      <a:schemeClr val="lt1">
+        <a:alpha val="90000"/>
+      </a:schemeClr>
+    </dgm:fillClrLst>
+    <dgm:linClrLst meth="repeat">
+      <a:schemeClr val="accent3"/>
+    </dgm:linClrLst>
+    <dgm:effectClrLst/>
+    <dgm:txLinClrLst/>
+    <dgm:txFillClrLst meth="repeat">
+      <a:schemeClr val="dk1"/>
+    </dgm:txFillClrLst>
+    <dgm:txEffectClrLst/>
+  </dgm:styleLbl>
+  <dgm:styleLbl name="conFgAcc1">
+    <dgm:fillClrLst meth="repeat">
+      <a:schemeClr val="lt1">
+        <a:alpha val="90000"/>
+      </a:schemeClr>
+    </dgm:fillClrLst>
+    <dgm:linClrLst meth="repeat">
+      <a:schemeClr val="accent3"/>
+    </dgm:linClrLst>
+    <dgm:effectClrLst/>
+    <dgm:txLinClrLst/>
+    <dgm:txFillClrLst meth="repeat">
+      <a:schemeClr val="dk1"/>
+    </dgm:txFillClrLst>
+    <dgm:txEffectClrLst/>
+  </dgm:styleLbl>
+  <dgm:styleLbl name="alignAcc1">
+    <dgm:fillClrLst meth="repeat">
+      <a:schemeClr val="lt1">
+        <a:alpha val="90000"/>
+      </a:schemeClr>
+    </dgm:fillClrLst>
+    <dgm:linClrLst meth="repeat">
+      <a:schemeClr val="accent3"/>
+    </dgm:linClrLst>
+    <dgm:effectClrLst/>
+    <dgm:txLinClrLst/>
+    <dgm:txFillClrLst meth="repeat">
+      <a:schemeClr val="dk1"/>
+    </dgm:txFillClrLst>
+    <dgm:txEffectClrLst/>
+  </dgm:styleLbl>
+  <dgm:styleLbl name="trAlignAcc1">
+    <dgm:fillClrLst meth="repeat">
+      <a:schemeClr val="lt1">
+        <a:alpha val="40000"/>
+      </a:schemeClr>
+    </dgm:fillClrLst>
+    <dgm:linClrLst meth="repeat">
+      <a:schemeClr val="accent3"/>
+    </dgm:linClrLst>
+    <dgm:effectClrLst/>
+    <dgm:txLinClrLst/>
+    <dgm:txFillClrLst meth="repeat">
+      <a:schemeClr val="dk1"/>
+    </dgm:txFillClrLst>
+    <dgm:txEffectClrLst/>
+  </dgm:styleLbl>
+  <dgm:styleLbl name="bgAcc1">
+    <dgm:fillClrLst meth="repeat">
+      <a:schemeClr val="lt1">
+        <a:alpha val="90000"/>
+      </a:schemeClr>
+    </dgm:fillClrLst>
+    <dgm:linClrLst meth="repeat">
+      <a:schemeClr val="accent3"/>
+    </dgm:linClrLst>
+    <dgm:effectClrLst/>
+    <dgm:txLinClrLst/>
+    <dgm:txFillClrLst meth="repeat">
+      <a:schemeClr val="dk1"/>
+    </dgm:txFillClrLst>
+    <dgm:txEffectClrLst/>
+  </dgm:styleLbl>
+  <dgm:styleLbl name="solidFgAcc1">
+    <dgm:fillClrLst meth="repeat">
+      <a:schemeClr val="lt1"/>
+    </dgm:fillClrLst>
+    <dgm:linClrLst meth="repeat">
+      <a:schemeClr val="accent3"/>
+    </dgm:linClrLst>
+    <dgm:effectClrLst/>
+    <dgm:txLinClrLst/>
+    <dgm:txFillClrLst meth="repeat">
+      <a:schemeClr val="dk1"/>
+    </dgm:txFillClrLst>
+    <dgm:txEffectClrLst/>
+  </dgm:styleLbl>
+  <dgm:styleLbl name="solidAlignAcc1">
+    <dgm:fillClrLst meth="repeat">
+      <a:schemeClr val="lt1"/>
+    </dgm:fillClrLst>
+    <dgm:linClrLst meth="repeat">
+      <a:schemeClr val="accent3"/>
+    </dgm:linClrLst>
+    <dgm:effectClrLst/>
+    <dgm:txLinClrLst/>
+    <dgm:txFillClrLst meth="repeat">
+      <a:schemeClr val="dk1"/>
+    </dgm:txFillClrLst>
+    <dgm:txEffectClrLst/>
+  </dgm:styleLbl>
+  <dgm:styleLbl name="solidBgAcc1">
+    <dgm:fillClrLst meth="repeat">
+      <a:schemeClr val="lt1"/>
+    </dgm:fillClrLst>
+    <dgm:linClrLst meth="repeat">
+      <a:schemeClr val="accent3"/>
+    </dgm:linClrLst>
+    <dgm:effectClrLst/>
+    <dgm:txLinClrLst/>
+    <dgm:txFillClrLst meth="repeat">
+      <a:schemeClr val="dk1"/>
+    </dgm:txFillClrLst>
+    <dgm:txEffectClrLst/>
+  </dgm:styleLbl>
+  <dgm:styleLbl name="fgAccFollowNode1">
+    <dgm:fillClrLst meth="repeat">
+      <a:schemeClr val="accent3">
+        <a:alpha val="90000"/>
+        <a:tint val="40000"/>
+      </a:schemeClr>
+    </dgm:fillClrLst>
+    <dgm:linClrLst meth="repeat">
+      <a:schemeClr val="accent3">
+        <a:alpha val="90000"/>
+        <a:tint val="40000"/>
+      </a:schemeClr>
+    </dgm:linClrLst>
+    <dgm:effectClrLst/>
+    <dgm:txLinClrLst/>
+    <dgm:txFillClrLst meth="repeat">
+      <a:schemeClr val="dk1"/>
+    </dgm:txFillClrLst>
+    <dgm:txEffectClrLst/>
+  </dgm:styleLbl>
+  <dgm:styleLbl name="alignAccFollowNode1">
+    <dgm:fillClrLst meth="repeat">
+      <a:schemeClr val="accent3">
+        <a:alpha val="90000"/>
+        <a:tint val="40000"/>
+      </a:schemeClr>
+    </dgm:fillClrLst>
+    <dgm:linClrLst meth="repeat">
+      <a:schemeClr val="accent3">
+        <a:alpha val="90000"/>
+        <a:tint val="40000"/>
+      </a:schemeClr>
+    </dgm:linClrLst>
+    <dgm:effectClrLst/>
+    <dgm:txLinClrLst/>
+    <dgm:txFillClrLst meth="repeat">
+      <a:schemeClr val="dk1"/>
+    </dgm:txFillClrLst>
+    <dgm:txEffectClrLst/>
+  </dgm:styleLbl>
+  <dgm:styleLbl name="bgAccFollowNode1">
+    <dgm:fillClrLst meth="repeat">
+      <a:schemeClr val="accent3">
+        <a:alpha val="90000"/>
+        <a:tint val="40000"/>
+      </a:schemeClr>
+    </dgm:fillClrLst>
+    <dgm:linClrLst meth="repeat">
+      <a:schemeClr val="accent3">
+        <a:alpha val="90000"/>
+        <a:tint val="40000"/>
+      </a:schemeClr>
+    </dgm:linClrLst>
+    <dgm:effectClrLst/>
+    <dgm:txLinClrLst/>
+    <dgm:txFillClrLst meth="repeat">
+      <a:schemeClr val="dk1"/>
+    </dgm:txFillClrLst>
+    <dgm:txEffectClrLst/>
+  </dgm:styleLbl>
+  <dgm:styleLbl name="fgAcc0">
+    <dgm:fillClrLst meth="repeat">
+      <a:schemeClr val="lt1">
+        <a:alpha val="90000"/>
+      </a:schemeClr>
+    </dgm:fillClrLst>
+    <dgm:linClrLst meth="repeat">
+      <a:schemeClr val="accent3"/>
+    </dgm:linClrLst>
+    <dgm:effectClrLst/>
+    <dgm:txLinClrLst/>
+    <dgm:txFillClrLst meth="repeat">
+      <a:schemeClr val="dk1"/>
+    </dgm:txFillClrLst>
+    <dgm:txEffectClrLst/>
+  </dgm:styleLbl>
+  <dgm:styleLbl name="fgAcc2">
+    <dgm:fillClrLst meth="repeat">
+      <a:schemeClr val="lt1">
+        <a:alpha val="90000"/>
+      </a:schemeClr>
+    </dgm:fillClrLst>
+    <dgm:linClrLst meth="repeat">
+      <a:schemeClr val="accent3"/>
+    </dgm:linClrLst>
+    <dgm:effectClrLst/>
+    <dgm:txLinClrLst/>
+    <dgm:txFillClrLst meth="repeat">
+      <a:schemeClr val="dk1"/>
+    </dgm:txFillClrLst>
+    <dgm:txEffectClrLst/>
+  </dgm:styleLbl>
+  <dgm:styleLbl name="fgAcc3">
+    <dgm:fillClrLst meth="repeat">
+      <a:schemeClr val="lt1">
+        <a:alpha val="90000"/>
+      </a:schemeClr>
+    </dgm:fillClrLst>
+    <dgm:linClrLst meth="repeat">
+      <a:schemeClr val="accent3"/>
+    </dgm:linClrLst>
+    <dgm:effectClrLst/>
+    <dgm:txLinClrLst/>
+    <dgm:txFillClrLst meth="repeat">
+      <a:schemeClr val="dk1"/>
+    </dgm:txFillClrLst>
+    <dgm:txEffectClrLst/>
+  </dgm:styleLbl>
+  <dgm:styleLbl name="fgAcc4">
+    <dgm:fillClrLst meth="repeat">
+      <a:schemeClr val="lt1">
+        <a:alpha val="90000"/>
+      </a:schemeClr>
+    </dgm:fillClrLst>
+    <dgm:linClrLst meth="repeat">
+      <a:schemeClr val="accent3"/>
+    </dgm:linClrLst>
+    <dgm:effectClrLst/>
+    <dgm:txLinClrLst/>
+    <dgm:txFillClrLst meth="repeat">
+      <a:schemeClr val="dk1"/>
+    </dgm:txFillClrLst>
+    <dgm:txEffectClrLst/>
+  </dgm:styleLbl>
+  <dgm:styleLbl name="bgShp">
+    <dgm:fillClrLst meth="repeat">
+      <a:schemeClr val="accent3">
+        <a:tint val="40000"/>
+      </a:schemeClr>
+    </dgm:fillClrLst>
+    <dgm:linClrLst meth="repeat">
+      <a:schemeClr val="accent3"/>
+    </dgm:linClrLst>
+    <dgm:effectClrLst/>
+    <dgm:txLinClrLst/>
+    <dgm:txFillClrLst meth="repeat">
+      <a:schemeClr val="dk1"/>
+    </dgm:txFillClrLst>
+    <dgm:txEffectClrLst/>
+  </dgm:styleLbl>
+  <dgm:styleLbl name="dkBgShp">
+    <dgm:fillClrLst meth="repeat">
+      <a:schemeClr val="accent3">
+        <a:shade val="80000"/>
+      </a:schemeClr>
+    </dgm:fillClrLst>
+    <dgm:linClrLst meth="repeat">
+      <a:schemeClr val="accent3"/>
+    </dgm:linClrLst>
+    <dgm:effectClrLst/>
+    <dgm:txLinClrLst/>
+    <dgm:txFillClrLst meth="repeat">
+      <a:schemeClr val="lt1"/>
+    </dgm:txFillClrLst>
+    <dgm:txEffectClrLst/>
+  </dgm:styleLbl>
+  <dgm:styleLbl name="trBgShp">
+    <dgm:fillClrLst meth="repeat">
+      <a:schemeClr val="accent3">
+        <a:tint val="50000"/>
+        <a:alpha val="40000"/>
+      </a:schemeClr>
+    </dgm:fillClrLst>
+    <dgm:linClrLst meth="repeat">
+      <a:schemeClr val="accent3"/>
+    </dgm:linClrLst>
+    <dgm:effectClrLst/>
+    <dgm:txLinClrLst/>
+    <dgm:txFillClrLst meth="repeat">
+      <a:schemeClr val="lt1"/>
+    </dgm:txFillClrLst>
+    <dgm:txEffectClrLst/>
+  </dgm:styleLbl>
+  <dgm:styleLbl name="fgShp">
+    <dgm:fillClrLst meth="repeat">
+      <a:schemeClr val="accent3">
+        <a:tint val="60000"/>
+      </a:schemeClr>
+    </dgm:fillClrLst>
+    <dgm:linClrLst meth="repeat">
+      <a:schemeClr val="lt1"/>
+    </dgm:linClrLst>
+    <dgm:effectClrLst/>
+    <dgm:txLinClrLst/>
+    <dgm:txFillClrLst meth="repeat">
+      <a:schemeClr val="dk1"/>
+    </dgm:txFillClrLst>
+    <dgm:txEffectClrLst/>
+  </dgm:styleLbl>
+  <dgm:styleLbl name="revTx">
+    <dgm:fillClrLst meth="repeat">
+      <a:schemeClr val="lt1">
+        <a:alpha val="0"/>
+      </a:schemeClr>
+    </dgm:fillClrLst>
+    <dgm:linClrLst meth="repeat">
+      <a:schemeClr val="dk1">
+        <a:alpha val="0"/>
+      </a:schemeClr>
+    </dgm:linClrLst>
+    <dgm:effectClrLst/>
+    <dgm:txLinClrLst/>
+    <dgm:txFillClrLst meth="repeat">
+      <a:schemeClr val="tx1"/>
+    </dgm:txFillClrLst>
+    <dgm:txEffectClrLst/>
+  </dgm:styleLbl>
+</dgm:colorsDef>
+</file>
+
+<file path=ppt/diagrams/data1.xml><?xml version="1.0" encoding="utf-8"?>
+<dgm:dataModel xmlns:dgm="http://schemas.openxmlformats.org/drawingml/2006/diagram" xmlns:a="http://schemas.openxmlformats.org/drawingml/2006/main">
+  <dgm:ptLst>
+    <dgm:pt modelId="{82131953-784F-4A8E-ADAB-110BEC5D581F}" type="doc">
+      <dgm:prSet loTypeId="urn:microsoft.com/office/officeart/2018/2/layout/IconLabelList" loCatId="icon" qsTypeId="urn:microsoft.com/office/officeart/2005/8/quickstyle/simple1" qsCatId="simple" csTypeId="urn:microsoft.com/office/officeart/2005/8/colors/accent3_2" csCatId="accent3" phldr="1"/>
+      <dgm:spPr/>
+      <dgm:t>
+        <a:bodyPr/>
+        <a:lstStyle/>
+        <a:p>
+          <a:endParaRPr lang="en-US"/>
+        </a:p>
+      </dgm:t>
+    </dgm:pt>
+    <dgm:pt modelId="{C8892AF6-9710-4172-BE10-6CA1B58808BA}">
+      <dgm:prSet/>
+      <dgm:spPr/>
+      <dgm:t>
+        <a:bodyPr/>
+        <a:lstStyle/>
+        <a:p>
+          <a:r>
+            <a:rPr lang="en-AU"/>
+            <a:t>HTML ( ERB )</a:t>
+          </a:r>
+          <a:endParaRPr lang="en-US"/>
+        </a:p>
+      </dgm:t>
+    </dgm:pt>
+    <dgm:pt modelId="{2AB2E2FB-08D4-455A-BC0C-233229340EE4}" type="parTrans" cxnId="{625EB7EE-ECB9-405E-BC76-D2A42457AE29}">
+      <dgm:prSet/>
+      <dgm:spPr/>
+      <dgm:t>
+        <a:bodyPr/>
+        <a:lstStyle/>
+        <a:p>
+          <a:endParaRPr lang="en-US"/>
+        </a:p>
+      </dgm:t>
+    </dgm:pt>
+    <dgm:pt modelId="{D85FB593-9FBE-4E28-BC70-AC44CD1CFF92}" type="sibTrans" cxnId="{625EB7EE-ECB9-405E-BC76-D2A42457AE29}">
+      <dgm:prSet/>
+      <dgm:spPr/>
+      <dgm:t>
+        <a:bodyPr/>
+        <a:lstStyle/>
+        <a:p>
+          <a:endParaRPr lang="en-US"/>
+        </a:p>
+      </dgm:t>
+    </dgm:pt>
+    <dgm:pt modelId="{042A07B4-B947-4220-8EE7-1FB32C965DD2}">
+      <dgm:prSet/>
+      <dgm:spPr/>
+      <dgm:t>
+        <a:bodyPr/>
+        <a:lstStyle/>
+        <a:p>
+          <a:r>
+            <a:rPr lang="en-AU"/>
+            <a:t>CSS &amp; Bootstrap</a:t>
+          </a:r>
+          <a:endParaRPr lang="en-US"/>
+        </a:p>
+      </dgm:t>
+    </dgm:pt>
+    <dgm:pt modelId="{171E614E-C91B-4E46-AEA3-213719E3C9F2}" type="parTrans" cxnId="{74DD55F6-6364-4816-820B-74DA3B2F3429}">
+      <dgm:prSet/>
+      <dgm:spPr/>
+      <dgm:t>
+        <a:bodyPr/>
+        <a:lstStyle/>
+        <a:p>
+          <a:endParaRPr lang="en-US"/>
+        </a:p>
+      </dgm:t>
+    </dgm:pt>
+    <dgm:pt modelId="{1851F91F-B876-415E-AA2F-CF71CDB1DBA2}" type="sibTrans" cxnId="{74DD55F6-6364-4816-820B-74DA3B2F3429}">
+      <dgm:prSet/>
+      <dgm:spPr/>
+      <dgm:t>
+        <a:bodyPr/>
+        <a:lstStyle/>
+        <a:p>
+          <a:endParaRPr lang="en-US"/>
+        </a:p>
+      </dgm:t>
+    </dgm:pt>
+    <dgm:pt modelId="{0C294309-93BA-45F0-809D-A51D2E0A40A4}">
+      <dgm:prSet/>
+      <dgm:spPr/>
+      <dgm:t>
+        <a:bodyPr/>
+        <a:lstStyle/>
+        <a:p>
+          <a:r>
+            <a:rPr lang="en-AU"/>
+            <a:t>Ruby on rails</a:t>
+          </a:r>
+          <a:endParaRPr lang="en-US"/>
+        </a:p>
+      </dgm:t>
+    </dgm:pt>
+    <dgm:pt modelId="{8C39A5A1-F051-4F55-B286-4E080F6A667D}" type="parTrans" cxnId="{C26ECF06-6F74-483B-98BC-BD20441C2C34}">
+      <dgm:prSet/>
+      <dgm:spPr/>
+      <dgm:t>
+        <a:bodyPr/>
+        <a:lstStyle/>
+        <a:p>
+          <a:endParaRPr lang="en-US"/>
+        </a:p>
+      </dgm:t>
+    </dgm:pt>
+    <dgm:pt modelId="{6E1BD984-34E8-4251-9DAC-7BEC5F3CDF98}" type="sibTrans" cxnId="{C26ECF06-6F74-483B-98BC-BD20441C2C34}">
+      <dgm:prSet/>
+      <dgm:spPr/>
+      <dgm:t>
+        <a:bodyPr/>
+        <a:lstStyle/>
+        <a:p>
+          <a:endParaRPr lang="en-US"/>
+        </a:p>
+      </dgm:t>
+    </dgm:pt>
+    <dgm:pt modelId="{A1379648-E98F-45EF-979F-FFCDEDD3BEBA}">
+      <dgm:prSet/>
+      <dgm:spPr/>
+      <dgm:t>
+        <a:bodyPr/>
+        <a:lstStyle/>
+        <a:p>
+          <a:r>
+            <a:rPr lang="en-AU"/>
+            <a:t>PostgreSQL</a:t>
+          </a:r>
+          <a:endParaRPr lang="en-US"/>
+        </a:p>
+      </dgm:t>
+    </dgm:pt>
+    <dgm:pt modelId="{52913DC3-9AA7-455D-B3A9-CE9C1B5B9C59}" type="parTrans" cxnId="{5C812DD4-9761-4115-90ED-15E3E6039944}">
+      <dgm:prSet/>
+      <dgm:spPr/>
+      <dgm:t>
+        <a:bodyPr/>
+        <a:lstStyle/>
+        <a:p>
+          <a:endParaRPr lang="en-US"/>
+        </a:p>
+      </dgm:t>
+    </dgm:pt>
+    <dgm:pt modelId="{021EAA87-8921-4C88-BECA-41CFCAE26B1B}" type="sibTrans" cxnId="{5C812DD4-9761-4115-90ED-15E3E6039944}">
+      <dgm:prSet/>
+      <dgm:spPr/>
+      <dgm:t>
+        <a:bodyPr/>
+        <a:lstStyle/>
+        <a:p>
+          <a:endParaRPr lang="en-US"/>
+        </a:p>
+      </dgm:t>
+    </dgm:pt>
+    <dgm:pt modelId="{9CCD2560-0CF5-47C0-86AD-62FC2CAA635E}" type="pres">
+      <dgm:prSet presAssocID="{82131953-784F-4A8E-ADAB-110BEC5D581F}" presName="root" presStyleCnt="0">
+        <dgm:presLayoutVars>
+          <dgm:dir/>
+          <dgm:resizeHandles val="exact"/>
+        </dgm:presLayoutVars>
+      </dgm:prSet>
+      <dgm:spPr/>
+    </dgm:pt>
+    <dgm:pt modelId="{4163D461-2469-4DB5-B339-2847693FE0A8}" type="pres">
+      <dgm:prSet presAssocID="{C8892AF6-9710-4172-BE10-6CA1B58808BA}" presName="compNode" presStyleCnt="0"/>
+      <dgm:spPr/>
+    </dgm:pt>
+    <dgm:pt modelId="{1428899F-A9CB-4EB1-B458-6947242E9A6E}" type="pres">
+      <dgm:prSet presAssocID="{C8892AF6-9710-4172-BE10-6CA1B58808BA}" presName="iconRect" presStyleLbl="node1" presStyleIdx="0" presStyleCnt="4"/>
+      <dgm:spPr>
+        <a:blipFill>
+          <a:blip xmlns:r="http://schemas.openxmlformats.org/officeDocument/2006/relationships" r:embed="rId1">
+            <a:extLst>
+              <a:ext uri="{28A0092B-C50C-407E-A947-70E740481C1C}">
+                <a14:useLocalDpi xmlns:a14="http://schemas.microsoft.com/office/drawing/2010/main" val="0"/>
+              </a:ext>
+              <a:ext uri="{96DAC541-7B7A-43D3-8B79-37D633B846F1}">
+                <asvg:svgBlip xmlns:asvg="http://schemas.microsoft.com/office/drawing/2016/SVG/main" r:embed="rId2"/>
+              </a:ext>
+            </a:extLst>
+          </a:blip>
+          <a:stretch>
+            <a:fillRect/>
+          </a:stretch>
+        </a:blipFill>
+        <a:ln>
+          <a:noFill/>
+        </a:ln>
+      </dgm:spPr>
+      <dgm:extLst>
+        <a:ext uri="{E40237B7-FDA0-4F09-8148-C483321AD2D9}">
+          <dgm14:cNvPr xmlns:dgm14="http://schemas.microsoft.com/office/drawing/2010/diagram" id="0" name="" descr="Web Design"/>
+        </a:ext>
+      </dgm:extLst>
+    </dgm:pt>
+    <dgm:pt modelId="{28DAFD61-0D11-4476-8717-8F42B08F4ACD}" type="pres">
+      <dgm:prSet presAssocID="{C8892AF6-9710-4172-BE10-6CA1B58808BA}" presName="spaceRect" presStyleCnt="0"/>
+      <dgm:spPr/>
+    </dgm:pt>
+    <dgm:pt modelId="{C32066A9-20B4-4840-9C65-CCB904F46189}" type="pres">
+      <dgm:prSet presAssocID="{C8892AF6-9710-4172-BE10-6CA1B58808BA}" presName="textRect" presStyleLbl="revTx" presStyleIdx="0" presStyleCnt="4">
+        <dgm:presLayoutVars>
+          <dgm:chMax val="1"/>
+          <dgm:chPref val="1"/>
+        </dgm:presLayoutVars>
+      </dgm:prSet>
+      <dgm:spPr/>
+    </dgm:pt>
+    <dgm:pt modelId="{DAAF4F4F-D112-4B76-9917-EF8BE90116E9}" type="pres">
+      <dgm:prSet presAssocID="{D85FB593-9FBE-4E28-BC70-AC44CD1CFF92}" presName="sibTrans" presStyleCnt="0"/>
+      <dgm:spPr/>
+    </dgm:pt>
+    <dgm:pt modelId="{5F186601-10C7-41BA-AEC1-DEABD3E42DAC}" type="pres">
+      <dgm:prSet presAssocID="{042A07B4-B947-4220-8EE7-1FB32C965DD2}" presName="compNode" presStyleCnt="0"/>
+      <dgm:spPr/>
+    </dgm:pt>
+    <dgm:pt modelId="{7BE2856F-C5CD-4805-8B5C-1B8CD43FB2CC}" type="pres">
+      <dgm:prSet presAssocID="{042A07B4-B947-4220-8EE7-1FB32C965DD2}" presName="iconRect" presStyleLbl="node1" presStyleIdx="1" presStyleCnt="4"/>
+      <dgm:spPr>
+        <a:blipFill>
+          <a:blip xmlns:r="http://schemas.openxmlformats.org/officeDocument/2006/relationships" r:embed="rId3">
+            <a:extLst>
+              <a:ext uri="{28A0092B-C50C-407E-A947-70E740481C1C}">
+                <a14:useLocalDpi xmlns:a14="http://schemas.microsoft.com/office/drawing/2010/main" val="0"/>
+              </a:ext>
+              <a:ext uri="{96DAC541-7B7A-43D3-8B79-37D633B846F1}">
+                <asvg:svgBlip xmlns:asvg="http://schemas.microsoft.com/office/drawing/2016/SVG/main" r:embed="rId4"/>
+              </a:ext>
+            </a:extLst>
+          </a:blip>
+          <a:stretch>
+            <a:fillRect/>
+          </a:stretch>
+        </a:blipFill>
+        <a:ln>
+          <a:noFill/>
+        </a:ln>
+      </dgm:spPr>
+      <dgm:extLst>
+        <a:ext uri="{E40237B7-FDA0-4F09-8148-C483321AD2D9}">
+          <dgm14:cNvPr xmlns:dgm14="http://schemas.microsoft.com/office/drawing/2010/diagram" id="0" name="" descr="Boot"/>
+        </a:ext>
+      </dgm:extLst>
+    </dgm:pt>
+    <dgm:pt modelId="{F0A6E4B6-BF4F-4E18-ADA0-E5B21ADCBE67}" type="pres">
+      <dgm:prSet presAssocID="{042A07B4-B947-4220-8EE7-1FB32C965DD2}" presName="spaceRect" presStyleCnt="0"/>
+      <dgm:spPr/>
+    </dgm:pt>
+    <dgm:pt modelId="{1C3FAB82-CB28-4EF2-8FA2-8C375B5F761F}" type="pres">
+      <dgm:prSet presAssocID="{042A07B4-B947-4220-8EE7-1FB32C965DD2}" presName="textRect" presStyleLbl="revTx" presStyleIdx="1" presStyleCnt="4">
+        <dgm:presLayoutVars>
+          <dgm:chMax val="1"/>
+          <dgm:chPref val="1"/>
+        </dgm:presLayoutVars>
+      </dgm:prSet>
+      <dgm:spPr/>
+    </dgm:pt>
+    <dgm:pt modelId="{212870DE-8119-4991-AD4A-3356FA6CC354}" type="pres">
+      <dgm:prSet presAssocID="{1851F91F-B876-415E-AA2F-CF71CDB1DBA2}" presName="sibTrans" presStyleCnt="0"/>
+      <dgm:spPr/>
+    </dgm:pt>
+    <dgm:pt modelId="{D421692A-4A1A-4FFC-A9B4-D049808BF1B5}" type="pres">
+      <dgm:prSet presAssocID="{0C294309-93BA-45F0-809D-A51D2E0A40A4}" presName="compNode" presStyleCnt="0"/>
+      <dgm:spPr/>
+    </dgm:pt>
+    <dgm:pt modelId="{394D5E08-BDC8-4B82-8631-51810A77DE56}" type="pres">
+      <dgm:prSet presAssocID="{0C294309-93BA-45F0-809D-A51D2E0A40A4}" presName="iconRect" presStyleLbl="node1" presStyleIdx="2" presStyleCnt="4"/>
+      <dgm:spPr>
+        <a:blipFill>
+          <a:blip xmlns:r="http://schemas.openxmlformats.org/officeDocument/2006/relationships" r:embed="rId5">
+            <a:extLst>
+              <a:ext uri="{28A0092B-C50C-407E-A947-70E740481C1C}">
+                <a14:useLocalDpi xmlns:a14="http://schemas.microsoft.com/office/drawing/2010/main" val="0"/>
+              </a:ext>
+              <a:ext uri="{96DAC541-7B7A-43D3-8B79-37D633B846F1}">
+                <asvg:svgBlip xmlns:asvg="http://schemas.microsoft.com/office/drawing/2016/SVG/main" r:embed="rId6"/>
+              </a:ext>
+            </a:extLst>
+          </a:blip>
+          <a:stretch>
+            <a:fillRect/>
+          </a:stretch>
+        </a:blipFill>
+        <a:ln>
+          <a:noFill/>
+        </a:ln>
+      </dgm:spPr>
+      <dgm:extLst>
+        <a:ext uri="{E40237B7-FDA0-4F09-8148-C483321AD2D9}">
+          <dgm14:cNvPr xmlns:dgm14="http://schemas.microsoft.com/office/drawing/2010/diagram" id="0" name="" descr="Train"/>
+        </a:ext>
+      </dgm:extLst>
+    </dgm:pt>
+    <dgm:pt modelId="{E940AE1D-BCFF-4114-ADF7-DE8C197A987C}" type="pres">
+      <dgm:prSet presAssocID="{0C294309-93BA-45F0-809D-A51D2E0A40A4}" presName="spaceRect" presStyleCnt="0"/>
+      <dgm:spPr/>
+    </dgm:pt>
+    <dgm:pt modelId="{A585E30B-F432-43D4-B920-8B246449333A}" type="pres">
+      <dgm:prSet presAssocID="{0C294309-93BA-45F0-809D-A51D2E0A40A4}" presName="textRect" presStyleLbl="revTx" presStyleIdx="2" presStyleCnt="4">
+        <dgm:presLayoutVars>
+          <dgm:chMax val="1"/>
+          <dgm:chPref val="1"/>
+        </dgm:presLayoutVars>
+      </dgm:prSet>
+      <dgm:spPr/>
+    </dgm:pt>
+    <dgm:pt modelId="{836AB1BD-F931-4F67-BA7C-8F2C0D70B1AB}" type="pres">
+      <dgm:prSet presAssocID="{6E1BD984-34E8-4251-9DAC-7BEC5F3CDF98}" presName="sibTrans" presStyleCnt="0"/>
+      <dgm:spPr/>
+    </dgm:pt>
+    <dgm:pt modelId="{498C0DF2-8CAD-4605-AA85-064441B0AB6D}" type="pres">
+      <dgm:prSet presAssocID="{A1379648-E98F-45EF-979F-FFCDEDD3BEBA}" presName="compNode" presStyleCnt="0"/>
+      <dgm:spPr/>
+    </dgm:pt>
+    <dgm:pt modelId="{1E38C872-CC6D-4DB8-8D10-5E1F33E17025}" type="pres">
+      <dgm:prSet presAssocID="{A1379648-E98F-45EF-979F-FFCDEDD3BEBA}" presName="iconRect" presStyleLbl="node1" presStyleIdx="3" presStyleCnt="4"/>
+      <dgm:spPr>
+        <a:blipFill>
+          <a:blip xmlns:r="http://schemas.openxmlformats.org/officeDocument/2006/relationships" r:embed="rId7">
+            <a:extLst>
+              <a:ext uri="{28A0092B-C50C-407E-A947-70E740481C1C}">
+                <a14:useLocalDpi xmlns:a14="http://schemas.microsoft.com/office/drawing/2010/main" val="0"/>
+              </a:ext>
+              <a:ext uri="{96DAC541-7B7A-43D3-8B79-37D633B846F1}">
+                <asvg:svgBlip xmlns:asvg="http://schemas.microsoft.com/office/drawing/2016/SVG/main" r:embed="rId8"/>
+              </a:ext>
+            </a:extLst>
+          </a:blip>
+          <a:stretch>
+            <a:fillRect/>
+          </a:stretch>
+        </a:blipFill>
+        <a:ln>
+          <a:noFill/>
+        </a:ln>
+      </dgm:spPr>
+      <dgm:extLst>
+        <a:ext uri="{E40237B7-FDA0-4F09-8148-C483321AD2D9}">
+          <dgm14:cNvPr xmlns:dgm14="http://schemas.microsoft.com/office/drawing/2010/diagram" id="0" name="" descr="Checkmark"/>
+        </a:ext>
+      </dgm:extLst>
+    </dgm:pt>
+    <dgm:pt modelId="{FE657871-BA53-4C22-8377-32FBACF69BB2}" type="pres">
+      <dgm:prSet presAssocID="{A1379648-E98F-45EF-979F-FFCDEDD3BEBA}" presName="spaceRect" presStyleCnt="0"/>
+      <dgm:spPr/>
+    </dgm:pt>
+    <dgm:pt modelId="{07B321BE-4C1E-4046-9CA9-A31CAC8307A2}" type="pres">
+      <dgm:prSet presAssocID="{A1379648-E98F-45EF-979F-FFCDEDD3BEBA}" presName="textRect" presStyleLbl="revTx" presStyleIdx="3" presStyleCnt="4">
+        <dgm:presLayoutVars>
+          <dgm:chMax val="1"/>
+          <dgm:chPref val="1"/>
+        </dgm:presLayoutVars>
+      </dgm:prSet>
+      <dgm:spPr/>
+    </dgm:pt>
+  </dgm:ptLst>
+  <dgm:cxnLst>
+    <dgm:cxn modelId="{C26ECF06-6F74-483B-98BC-BD20441C2C34}" srcId="{82131953-784F-4A8E-ADAB-110BEC5D581F}" destId="{0C294309-93BA-45F0-809D-A51D2E0A40A4}" srcOrd="2" destOrd="0" parTransId="{8C39A5A1-F051-4F55-B286-4E080F6A667D}" sibTransId="{6E1BD984-34E8-4251-9DAC-7BEC5F3CDF98}"/>
+    <dgm:cxn modelId="{85B25F35-5C61-43BC-9C20-189F92E1D0B8}" type="presOf" srcId="{C8892AF6-9710-4172-BE10-6CA1B58808BA}" destId="{C32066A9-20B4-4840-9C65-CCB904F46189}" srcOrd="0" destOrd="0" presId="urn:microsoft.com/office/officeart/2018/2/layout/IconLabelList"/>
+    <dgm:cxn modelId="{7B71DE6C-B79B-4A70-9BFA-AF4F7F312AF3}" type="presOf" srcId="{A1379648-E98F-45EF-979F-FFCDEDD3BEBA}" destId="{07B321BE-4C1E-4046-9CA9-A31CAC8307A2}" srcOrd="0" destOrd="0" presId="urn:microsoft.com/office/officeart/2018/2/layout/IconLabelList"/>
+    <dgm:cxn modelId="{458577BD-0132-4375-9358-90CCD8C2303A}" type="presOf" srcId="{0C294309-93BA-45F0-809D-A51D2E0A40A4}" destId="{A585E30B-F432-43D4-B920-8B246449333A}" srcOrd="0" destOrd="0" presId="urn:microsoft.com/office/officeart/2018/2/layout/IconLabelList"/>
+    <dgm:cxn modelId="{E29B7ECD-D665-43D6-B706-EAF863A9796E}" type="presOf" srcId="{82131953-784F-4A8E-ADAB-110BEC5D581F}" destId="{9CCD2560-0CF5-47C0-86AD-62FC2CAA635E}" srcOrd="0" destOrd="0" presId="urn:microsoft.com/office/officeart/2018/2/layout/IconLabelList"/>
+    <dgm:cxn modelId="{5C812DD4-9761-4115-90ED-15E3E6039944}" srcId="{82131953-784F-4A8E-ADAB-110BEC5D581F}" destId="{A1379648-E98F-45EF-979F-FFCDEDD3BEBA}" srcOrd="3" destOrd="0" parTransId="{52913DC3-9AA7-455D-B3A9-CE9C1B5B9C59}" sibTransId="{021EAA87-8921-4C88-BECA-41CFCAE26B1B}"/>
+    <dgm:cxn modelId="{625EB7EE-ECB9-405E-BC76-D2A42457AE29}" srcId="{82131953-784F-4A8E-ADAB-110BEC5D581F}" destId="{C8892AF6-9710-4172-BE10-6CA1B58808BA}" srcOrd="0" destOrd="0" parTransId="{2AB2E2FB-08D4-455A-BC0C-233229340EE4}" sibTransId="{D85FB593-9FBE-4E28-BC70-AC44CD1CFF92}"/>
+    <dgm:cxn modelId="{74DD55F6-6364-4816-820B-74DA3B2F3429}" srcId="{82131953-784F-4A8E-ADAB-110BEC5D581F}" destId="{042A07B4-B947-4220-8EE7-1FB32C965DD2}" srcOrd="1" destOrd="0" parTransId="{171E614E-C91B-4E46-AEA3-213719E3C9F2}" sibTransId="{1851F91F-B876-415E-AA2F-CF71CDB1DBA2}"/>
+    <dgm:cxn modelId="{0F5256F6-7935-48C5-84EE-CDC3EB7BB437}" type="presOf" srcId="{042A07B4-B947-4220-8EE7-1FB32C965DD2}" destId="{1C3FAB82-CB28-4EF2-8FA2-8C375B5F761F}" srcOrd="0" destOrd="0" presId="urn:microsoft.com/office/officeart/2018/2/layout/IconLabelList"/>
+    <dgm:cxn modelId="{8577CD36-1FCE-4C24-9DEC-8CC4B40A030C}" type="presParOf" srcId="{9CCD2560-0CF5-47C0-86AD-62FC2CAA635E}" destId="{4163D461-2469-4DB5-B339-2847693FE0A8}" srcOrd="0" destOrd="0" presId="urn:microsoft.com/office/officeart/2018/2/layout/IconLabelList"/>
+    <dgm:cxn modelId="{8BC535C7-D764-4208-990F-B969E247CF6E}" type="presParOf" srcId="{4163D461-2469-4DB5-B339-2847693FE0A8}" destId="{1428899F-A9CB-4EB1-B458-6947242E9A6E}" srcOrd="0" destOrd="0" presId="urn:microsoft.com/office/officeart/2018/2/layout/IconLabelList"/>
+    <dgm:cxn modelId="{EC25D6A4-F21F-47B1-9398-C24BABA2C59F}" type="presParOf" srcId="{4163D461-2469-4DB5-B339-2847693FE0A8}" destId="{28DAFD61-0D11-4476-8717-8F42B08F4ACD}" srcOrd="1" destOrd="0" presId="urn:microsoft.com/office/officeart/2018/2/layout/IconLabelList"/>
+    <dgm:cxn modelId="{485FFD90-2F03-41A8-A5CB-3D50F981EB78}" type="presParOf" srcId="{4163D461-2469-4DB5-B339-2847693FE0A8}" destId="{C32066A9-20B4-4840-9C65-CCB904F46189}" srcOrd="2" destOrd="0" presId="urn:microsoft.com/office/officeart/2018/2/layout/IconLabelList"/>
+    <dgm:cxn modelId="{C862FDDC-1436-4B40-B3F3-8F32FB1D9ED6}" type="presParOf" srcId="{9CCD2560-0CF5-47C0-86AD-62FC2CAA635E}" destId="{DAAF4F4F-D112-4B76-9917-EF8BE90116E9}" srcOrd="1" destOrd="0" presId="urn:microsoft.com/office/officeart/2018/2/layout/IconLabelList"/>
+    <dgm:cxn modelId="{F62178DF-7684-4D98-B634-60BF966B6E00}" type="presParOf" srcId="{9CCD2560-0CF5-47C0-86AD-62FC2CAA635E}" destId="{5F186601-10C7-41BA-AEC1-DEABD3E42DAC}" srcOrd="2" destOrd="0" presId="urn:microsoft.com/office/officeart/2018/2/layout/IconLabelList"/>
+    <dgm:cxn modelId="{67DA4AC8-E545-41EA-9D05-B760BAFF8C3B}" type="presParOf" srcId="{5F186601-10C7-41BA-AEC1-DEABD3E42DAC}" destId="{7BE2856F-C5CD-4805-8B5C-1B8CD43FB2CC}" srcOrd="0" destOrd="0" presId="urn:microsoft.com/office/officeart/2018/2/layout/IconLabelList"/>
+    <dgm:cxn modelId="{6969D806-604A-4CE9-A16E-10EF46176788}" type="presParOf" srcId="{5F186601-10C7-41BA-AEC1-DEABD3E42DAC}" destId="{F0A6E4B6-BF4F-4E18-ADA0-E5B21ADCBE67}" srcOrd="1" destOrd="0" presId="urn:microsoft.com/office/officeart/2018/2/layout/IconLabelList"/>
+    <dgm:cxn modelId="{9499661A-4DB2-40CF-AFDD-D088EEBAFFCD}" type="presParOf" srcId="{5F186601-10C7-41BA-AEC1-DEABD3E42DAC}" destId="{1C3FAB82-CB28-4EF2-8FA2-8C375B5F761F}" srcOrd="2" destOrd="0" presId="urn:microsoft.com/office/officeart/2018/2/layout/IconLabelList"/>
+    <dgm:cxn modelId="{3818C464-83F5-42EB-890B-7FA05B737DE0}" type="presParOf" srcId="{9CCD2560-0CF5-47C0-86AD-62FC2CAA635E}" destId="{212870DE-8119-4991-AD4A-3356FA6CC354}" srcOrd="3" destOrd="0" presId="urn:microsoft.com/office/officeart/2018/2/layout/IconLabelList"/>
+    <dgm:cxn modelId="{42D5C24B-8E25-484B-A8DE-A4541A9FC9B5}" type="presParOf" srcId="{9CCD2560-0CF5-47C0-86AD-62FC2CAA635E}" destId="{D421692A-4A1A-4FFC-A9B4-D049808BF1B5}" srcOrd="4" destOrd="0" presId="urn:microsoft.com/office/officeart/2018/2/layout/IconLabelList"/>
+    <dgm:cxn modelId="{9CF9A374-B90D-4BCF-B726-0BED8D646C49}" type="presParOf" srcId="{D421692A-4A1A-4FFC-A9B4-D049808BF1B5}" destId="{394D5E08-BDC8-4B82-8631-51810A77DE56}" srcOrd="0" destOrd="0" presId="urn:microsoft.com/office/officeart/2018/2/layout/IconLabelList"/>
+    <dgm:cxn modelId="{40A5A2FF-F0F4-4F89-9E0A-778F2E887101}" type="presParOf" srcId="{D421692A-4A1A-4FFC-A9B4-D049808BF1B5}" destId="{E940AE1D-BCFF-4114-ADF7-DE8C197A987C}" srcOrd="1" destOrd="0" presId="urn:microsoft.com/office/officeart/2018/2/layout/IconLabelList"/>
+    <dgm:cxn modelId="{7EFFAD1F-A000-4C8A-9623-70E7C56B1471}" type="presParOf" srcId="{D421692A-4A1A-4FFC-A9B4-D049808BF1B5}" destId="{A585E30B-F432-43D4-B920-8B246449333A}" srcOrd="2" destOrd="0" presId="urn:microsoft.com/office/officeart/2018/2/layout/IconLabelList"/>
+    <dgm:cxn modelId="{E94988C0-DD6B-4696-B82E-CF55D41DB18F}" type="presParOf" srcId="{9CCD2560-0CF5-47C0-86AD-62FC2CAA635E}" destId="{836AB1BD-F931-4F67-BA7C-8F2C0D70B1AB}" srcOrd="5" destOrd="0" presId="urn:microsoft.com/office/officeart/2018/2/layout/IconLabelList"/>
+    <dgm:cxn modelId="{D76F7819-6B4B-42FA-91A0-E8E1A2709886}" type="presParOf" srcId="{9CCD2560-0CF5-47C0-86AD-62FC2CAA635E}" destId="{498C0DF2-8CAD-4605-AA85-064441B0AB6D}" srcOrd="6" destOrd="0" presId="urn:microsoft.com/office/officeart/2018/2/layout/IconLabelList"/>
+    <dgm:cxn modelId="{5A3973A3-0A46-496D-8B84-CE82B29A2CE0}" type="presParOf" srcId="{498C0DF2-8CAD-4605-AA85-064441B0AB6D}" destId="{1E38C872-CC6D-4DB8-8D10-5E1F33E17025}" srcOrd="0" destOrd="0" presId="urn:microsoft.com/office/officeart/2018/2/layout/IconLabelList"/>
+    <dgm:cxn modelId="{427A9DFA-DEBC-4D64-84AD-BC5A0EC5F81A}" type="presParOf" srcId="{498C0DF2-8CAD-4605-AA85-064441B0AB6D}" destId="{FE657871-BA53-4C22-8377-32FBACF69BB2}" srcOrd="1" destOrd="0" presId="urn:microsoft.com/office/officeart/2018/2/layout/IconLabelList"/>
+    <dgm:cxn modelId="{F4BE3FC0-EFE0-43F2-B197-48DE2CB4EFB8}" type="presParOf" srcId="{498C0DF2-8CAD-4605-AA85-064441B0AB6D}" destId="{07B321BE-4C1E-4046-9CA9-A31CAC8307A2}" srcOrd="2" destOrd="0" presId="urn:microsoft.com/office/officeart/2018/2/layout/IconLabelList"/>
+  </dgm:cxnLst>
+  <dgm:bg/>
+  <dgm:whole/>
+  <dgm:extLst>
+    <a:ext uri="http://schemas.microsoft.com/office/drawing/2008/diagram">
+      <dsp:dataModelExt xmlns:dsp="http://schemas.microsoft.com/office/drawing/2008/diagram" relId="rId6" minVer="http://schemas.openxmlformats.org/drawingml/2006/diagram"/>
+    </a:ext>
+  </dgm:extLst>
+</dgm:dataModel>
+</file>
+
+<file path=ppt/diagrams/drawing1.xml><?xml version="1.0" encoding="utf-8"?>
+<dsp:drawing xmlns:dgm="http://schemas.openxmlformats.org/drawingml/2006/diagram" xmlns:dsp="http://schemas.microsoft.com/office/drawing/2008/diagram" xmlns:a="http://schemas.openxmlformats.org/drawingml/2006/main">
+  <dsp:spTree>
+    <dsp:nvGrpSpPr>
+      <dsp:cNvPr id="0" name=""/>
+      <dsp:cNvGrpSpPr/>
+    </dsp:nvGrpSpPr>
+    <dsp:grpSpPr/>
+    <dsp:sp modelId="{1428899F-A9CB-4EB1-B458-6947242E9A6E}">
+      <dsp:nvSpPr>
+        <dsp:cNvPr id="0" name=""/>
+        <dsp:cNvSpPr/>
+      </dsp:nvSpPr>
+      <dsp:spPr>
+        <a:xfrm>
+          <a:off x="938775" y="912048"/>
+          <a:ext cx="926133" cy="926133"/>
+        </a:xfrm>
+        <a:prstGeom prst="rect">
+          <a:avLst/>
+        </a:prstGeom>
+        <a:blipFill>
+          <a:blip xmlns:r="http://schemas.openxmlformats.org/officeDocument/2006/relationships" r:embed="rId1">
+            <a:extLst>
+              <a:ext uri="{28A0092B-C50C-407E-A947-70E740481C1C}">
+                <a14:useLocalDpi xmlns:a14="http://schemas.microsoft.com/office/drawing/2010/main" val="0"/>
+              </a:ext>
+              <a:ext uri="{96DAC541-7B7A-43D3-8B79-37D633B846F1}">
+                <asvg:svgBlip xmlns:asvg="http://schemas.microsoft.com/office/drawing/2016/SVG/main" r:embed="rId2"/>
+              </a:ext>
+            </a:extLst>
+          </a:blip>
+          <a:stretch>
+            <a:fillRect/>
+          </a:stretch>
+        </a:blipFill>
+        <a:ln w="15875" cap="flat" cmpd="sng" algn="ctr">
+          <a:noFill/>
+          <a:prstDash val="solid"/>
+        </a:ln>
+        <a:effectLst/>
+      </dsp:spPr>
+      <dsp:style>
+        <a:lnRef idx="2">
+          <a:scrgbClr r="0" g="0" b="0"/>
+        </a:lnRef>
+        <a:fillRef idx="1">
+          <a:scrgbClr r="0" g="0" b="0"/>
+        </a:fillRef>
+        <a:effectRef idx="0">
+          <a:scrgbClr r="0" g="0" b="0"/>
+        </a:effectRef>
+        <a:fontRef idx="minor">
+          <a:schemeClr val="lt1"/>
+        </a:fontRef>
+      </dsp:style>
+    </dsp:sp>
+    <dsp:sp modelId="{C32066A9-20B4-4840-9C65-CCB904F46189}">
+      <dsp:nvSpPr>
+        <dsp:cNvPr id="0" name=""/>
+        <dsp:cNvSpPr/>
+      </dsp:nvSpPr>
+      <dsp:spPr>
+        <a:xfrm>
+          <a:off x="372805" y="2128842"/>
+          <a:ext cx="2058075" cy="720000"/>
+        </a:xfrm>
+        <a:prstGeom prst="rect">
+          <a:avLst/>
+        </a:prstGeom>
+        <a:noFill/>
+        <a:ln>
+          <a:noFill/>
+        </a:ln>
+        <a:effectLst/>
+      </dsp:spPr>
+      <dsp:style>
+        <a:lnRef idx="0">
+          <a:scrgbClr r="0" g="0" b="0"/>
+        </a:lnRef>
+        <a:fillRef idx="0">
+          <a:scrgbClr r="0" g="0" b="0"/>
+        </a:fillRef>
+        <a:effectRef idx="0">
+          <a:scrgbClr r="0" g="0" b="0"/>
+        </a:effectRef>
+        <a:fontRef idx="minor"/>
+      </dsp:style>
+      <dsp:txBody>
+        <a:bodyPr spcFirstLastPara="0" vert="horz" wrap="square" lIns="0" tIns="0" rIns="0" bIns="0" numCol="1" spcCol="1270" anchor="t" anchorCtr="0">
+          <a:noAutofit/>
+        </a:bodyPr>
+        <a:lstStyle/>
+        <a:p>
+          <a:pPr marL="0" lvl="0" indent="0" algn="ctr" defTabSz="1200150">
+            <a:lnSpc>
+              <a:spcPct val="90000"/>
+            </a:lnSpc>
+            <a:spcBef>
+              <a:spcPct val="0"/>
+            </a:spcBef>
+            <a:spcAft>
+              <a:spcPct val="35000"/>
+            </a:spcAft>
+            <a:buNone/>
+          </a:pPr>
+          <a:r>
+            <a:rPr lang="en-AU" sz="2700" kern="1200"/>
+            <a:t>HTML ( ERB )</a:t>
+          </a:r>
+          <a:endParaRPr lang="en-US" sz="2700" kern="1200"/>
+        </a:p>
+      </dsp:txBody>
+      <dsp:txXfrm>
+        <a:off x="372805" y="2128842"/>
+        <a:ext cx="2058075" cy="720000"/>
+      </dsp:txXfrm>
+    </dsp:sp>
+    <dsp:sp modelId="{7BE2856F-C5CD-4805-8B5C-1B8CD43FB2CC}">
+      <dsp:nvSpPr>
+        <dsp:cNvPr id="0" name=""/>
+        <dsp:cNvSpPr/>
+      </dsp:nvSpPr>
+      <dsp:spPr>
+        <a:xfrm>
+          <a:off x="3357014" y="912048"/>
+          <a:ext cx="926133" cy="926133"/>
+        </a:xfrm>
+        <a:prstGeom prst="rect">
+          <a:avLst/>
+        </a:prstGeom>
+        <a:blipFill>
+          <a:blip xmlns:r="http://schemas.openxmlformats.org/officeDocument/2006/relationships" r:embed="rId3">
+            <a:extLst>
+              <a:ext uri="{28A0092B-C50C-407E-A947-70E740481C1C}">
+                <a14:useLocalDpi xmlns:a14="http://schemas.microsoft.com/office/drawing/2010/main" val="0"/>
+              </a:ext>
+              <a:ext uri="{96DAC541-7B7A-43D3-8B79-37D633B846F1}">
+                <asvg:svgBlip xmlns:asvg="http://schemas.microsoft.com/office/drawing/2016/SVG/main" r:embed="rId4"/>
+              </a:ext>
+            </a:extLst>
+          </a:blip>
+          <a:stretch>
+            <a:fillRect/>
+          </a:stretch>
+        </a:blipFill>
+        <a:ln w="15875" cap="flat" cmpd="sng" algn="ctr">
+          <a:noFill/>
+          <a:prstDash val="solid"/>
+        </a:ln>
+        <a:effectLst/>
+      </dsp:spPr>
+      <dsp:style>
+        <a:lnRef idx="2">
+          <a:scrgbClr r="0" g="0" b="0"/>
+        </a:lnRef>
+        <a:fillRef idx="1">
+          <a:scrgbClr r="0" g="0" b="0"/>
+        </a:fillRef>
+        <a:effectRef idx="0">
+          <a:scrgbClr r="0" g="0" b="0"/>
+        </a:effectRef>
+        <a:fontRef idx="minor">
+          <a:schemeClr val="lt1"/>
+        </a:fontRef>
+      </dsp:style>
+    </dsp:sp>
+    <dsp:sp modelId="{1C3FAB82-CB28-4EF2-8FA2-8C375B5F761F}">
+      <dsp:nvSpPr>
+        <dsp:cNvPr id="0" name=""/>
+        <dsp:cNvSpPr/>
+      </dsp:nvSpPr>
+      <dsp:spPr>
+        <a:xfrm>
+          <a:off x="2791043" y="2128842"/>
+          <a:ext cx="2058075" cy="720000"/>
+        </a:xfrm>
+        <a:prstGeom prst="rect">
+          <a:avLst/>
+        </a:prstGeom>
+        <a:noFill/>
+        <a:ln>
+          <a:noFill/>
+        </a:ln>
+        <a:effectLst/>
+      </dsp:spPr>
+      <dsp:style>
+        <a:lnRef idx="0">
+          <a:scrgbClr r="0" g="0" b="0"/>
+        </a:lnRef>
+        <a:fillRef idx="0">
+          <a:scrgbClr r="0" g="0" b="0"/>
+        </a:fillRef>
+        <a:effectRef idx="0">
+          <a:scrgbClr r="0" g="0" b="0"/>
+        </a:effectRef>
+        <a:fontRef idx="minor"/>
+      </dsp:style>
+      <dsp:txBody>
+        <a:bodyPr spcFirstLastPara="0" vert="horz" wrap="square" lIns="0" tIns="0" rIns="0" bIns="0" numCol="1" spcCol="1270" anchor="t" anchorCtr="0">
+          <a:noAutofit/>
+        </a:bodyPr>
+        <a:lstStyle/>
+        <a:p>
+          <a:pPr marL="0" lvl="0" indent="0" algn="ctr" defTabSz="1200150">
+            <a:lnSpc>
+              <a:spcPct val="90000"/>
+            </a:lnSpc>
+            <a:spcBef>
+              <a:spcPct val="0"/>
+            </a:spcBef>
+            <a:spcAft>
+              <a:spcPct val="35000"/>
+            </a:spcAft>
+            <a:buNone/>
+          </a:pPr>
+          <a:r>
+            <a:rPr lang="en-AU" sz="2700" kern="1200"/>
+            <a:t>CSS &amp; Bootstrap</a:t>
+          </a:r>
+          <a:endParaRPr lang="en-US" sz="2700" kern="1200"/>
+        </a:p>
+      </dsp:txBody>
+      <dsp:txXfrm>
+        <a:off x="2791043" y="2128842"/>
+        <a:ext cx="2058075" cy="720000"/>
+      </dsp:txXfrm>
+    </dsp:sp>
+    <dsp:sp modelId="{394D5E08-BDC8-4B82-8631-51810A77DE56}">
+      <dsp:nvSpPr>
+        <dsp:cNvPr id="0" name=""/>
+        <dsp:cNvSpPr/>
+      </dsp:nvSpPr>
+      <dsp:spPr>
+        <a:xfrm>
+          <a:off x="5775252" y="912048"/>
+          <a:ext cx="926133" cy="926133"/>
+        </a:xfrm>
+        <a:prstGeom prst="rect">
+          <a:avLst/>
+        </a:prstGeom>
+        <a:blipFill>
+          <a:blip xmlns:r="http://schemas.openxmlformats.org/officeDocument/2006/relationships" r:embed="rId5">
+            <a:extLst>
+              <a:ext uri="{28A0092B-C50C-407E-A947-70E740481C1C}">
+                <a14:useLocalDpi xmlns:a14="http://schemas.microsoft.com/office/drawing/2010/main" val="0"/>
+              </a:ext>
+              <a:ext uri="{96DAC541-7B7A-43D3-8B79-37D633B846F1}">
+                <asvg:svgBlip xmlns:asvg="http://schemas.microsoft.com/office/drawing/2016/SVG/main" r:embed="rId6"/>
+              </a:ext>
+            </a:extLst>
+          </a:blip>
+          <a:stretch>
+            <a:fillRect/>
+          </a:stretch>
+        </a:blipFill>
+        <a:ln w="15875" cap="flat" cmpd="sng" algn="ctr">
+          <a:noFill/>
+          <a:prstDash val="solid"/>
+        </a:ln>
+        <a:effectLst/>
+      </dsp:spPr>
+      <dsp:style>
+        <a:lnRef idx="2">
+          <a:scrgbClr r="0" g="0" b="0"/>
+        </a:lnRef>
+        <a:fillRef idx="1">
+          <a:scrgbClr r="0" g="0" b="0"/>
+        </a:fillRef>
+        <a:effectRef idx="0">
+          <a:scrgbClr r="0" g="0" b="0"/>
+        </a:effectRef>
+        <a:fontRef idx="minor">
+          <a:schemeClr val="lt1"/>
+        </a:fontRef>
+      </dsp:style>
+    </dsp:sp>
+    <dsp:sp modelId="{A585E30B-F432-43D4-B920-8B246449333A}">
+      <dsp:nvSpPr>
+        <dsp:cNvPr id="0" name=""/>
+        <dsp:cNvSpPr/>
+      </dsp:nvSpPr>
+      <dsp:spPr>
+        <a:xfrm>
+          <a:off x="5209281" y="2128842"/>
+          <a:ext cx="2058075" cy="720000"/>
+        </a:xfrm>
+        <a:prstGeom prst="rect">
+          <a:avLst/>
+        </a:prstGeom>
+        <a:noFill/>
+        <a:ln>
+          <a:noFill/>
+        </a:ln>
+        <a:effectLst/>
+      </dsp:spPr>
+      <dsp:style>
+        <a:lnRef idx="0">
+          <a:scrgbClr r="0" g="0" b="0"/>
+        </a:lnRef>
+        <a:fillRef idx="0">
+          <a:scrgbClr r="0" g="0" b="0"/>
+        </a:fillRef>
+        <a:effectRef idx="0">
+          <a:scrgbClr r="0" g="0" b="0"/>
+        </a:effectRef>
+        <a:fontRef idx="minor"/>
+      </dsp:style>
+      <dsp:txBody>
+        <a:bodyPr spcFirstLastPara="0" vert="horz" wrap="square" lIns="0" tIns="0" rIns="0" bIns="0" numCol="1" spcCol="1270" anchor="t" anchorCtr="0">
+          <a:noAutofit/>
+        </a:bodyPr>
+        <a:lstStyle/>
+        <a:p>
+          <a:pPr marL="0" lvl="0" indent="0" algn="ctr" defTabSz="1200150">
+            <a:lnSpc>
+              <a:spcPct val="90000"/>
+            </a:lnSpc>
+            <a:spcBef>
+              <a:spcPct val="0"/>
+            </a:spcBef>
+            <a:spcAft>
+              <a:spcPct val="35000"/>
+            </a:spcAft>
+            <a:buNone/>
+          </a:pPr>
+          <a:r>
+            <a:rPr lang="en-AU" sz="2700" kern="1200"/>
+            <a:t>Ruby on rails</a:t>
+          </a:r>
+          <a:endParaRPr lang="en-US" sz="2700" kern="1200"/>
+        </a:p>
+      </dsp:txBody>
+      <dsp:txXfrm>
+        <a:off x="5209281" y="2128842"/>
+        <a:ext cx="2058075" cy="720000"/>
+      </dsp:txXfrm>
+    </dsp:sp>
+    <dsp:sp modelId="{1E38C872-CC6D-4DB8-8D10-5E1F33E17025}">
+      <dsp:nvSpPr>
+        <dsp:cNvPr id="0" name=""/>
+        <dsp:cNvSpPr/>
+      </dsp:nvSpPr>
+      <dsp:spPr>
+        <a:xfrm>
+          <a:off x="8193490" y="912048"/>
+          <a:ext cx="926133" cy="926133"/>
+        </a:xfrm>
+        <a:prstGeom prst="rect">
+          <a:avLst/>
+        </a:prstGeom>
+        <a:blipFill>
+          <a:blip xmlns:r="http://schemas.openxmlformats.org/officeDocument/2006/relationships" r:embed="rId7">
+            <a:extLst>
+              <a:ext uri="{28A0092B-C50C-407E-A947-70E740481C1C}">
+                <a14:useLocalDpi xmlns:a14="http://schemas.microsoft.com/office/drawing/2010/main" val="0"/>
+              </a:ext>
+              <a:ext uri="{96DAC541-7B7A-43D3-8B79-37D633B846F1}">
+                <asvg:svgBlip xmlns:asvg="http://schemas.microsoft.com/office/drawing/2016/SVG/main" r:embed="rId8"/>
+              </a:ext>
+            </a:extLst>
+          </a:blip>
+          <a:stretch>
+            <a:fillRect/>
+          </a:stretch>
+        </a:blipFill>
+        <a:ln w="15875" cap="flat" cmpd="sng" algn="ctr">
+          <a:noFill/>
+          <a:prstDash val="solid"/>
+        </a:ln>
+        <a:effectLst/>
+      </dsp:spPr>
+      <dsp:style>
+        <a:lnRef idx="2">
+          <a:scrgbClr r="0" g="0" b="0"/>
+        </a:lnRef>
+        <a:fillRef idx="1">
+          <a:scrgbClr r="0" g="0" b="0"/>
+        </a:fillRef>
+        <a:effectRef idx="0">
+          <a:scrgbClr r="0" g="0" b="0"/>
+        </a:effectRef>
+        <a:fontRef idx="minor">
+          <a:schemeClr val="lt1"/>
+        </a:fontRef>
+      </dsp:style>
+    </dsp:sp>
+    <dsp:sp modelId="{07B321BE-4C1E-4046-9CA9-A31CAC8307A2}">
+      <dsp:nvSpPr>
+        <dsp:cNvPr id="0" name=""/>
+        <dsp:cNvSpPr/>
+      </dsp:nvSpPr>
+      <dsp:spPr>
+        <a:xfrm>
+          <a:off x="7627519" y="2128842"/>
+          <a:ext cx="2058075" cy="720000"/>
+        </a:xfrm>
+        <a:prstGeom prst="rect">
+          <a:avLst/>
+        </a:prstGeom>
+        <a:noFill/>
+        <a:ln>
+          <a:noFill/>
+        </a:ln>
+        <a:effectLst/>
+      </dsp:spPr>
+      <dsp:style>
+        <a:lnRef idx="0">
+          <a:scrgbClr r="0" g="0" b="0"/>
+        </a:lnRef>
+        <a:fillRef idx="0">
+          <a:scrgbClr r="0" g="0" b="0"/>
+        </a:fillRef>
+        <a:effectRef idx="0">
+          <a:scrgbClr r="0" g="0" b="0"/>
+        </a:effectRef>
+        <a:fontRef idx="minor"/>
+      </dsp:style>
+      <dsp:txBody>
+        <a:bodyPr spcFirstLastPara="0" vert="horz" wrap="square" lIns="0" tIns="0" rIns="0" bIns="0" numCol="1" spcCol="1270" anchor="t" anchorCtr="0">
+          <a:noAutofit/>
+        </a:bodyPr>
+        <a:lstStyle/>
+        <a:p>
+          <a:pPr marL="0" lvl="0" indent="0" algn="ctr" defTabSz="1200150">
+            <a:lnSpc>
+              <a:spcPct val="90000"/>
+            </a:lnSpc>
+            <a:spcBef>
+              <a:spcPct val="0"/>
+            </a:spcBef>
+            <a:spcAft>
+              <a:spcPct val="35000"/>
+            </a:spcAft>
+            <a:buNone/>
+          </a:pPr>
+          <a:r>
+            <a:rPr lang="en-AU" sz="2700" kern="1200"/>
+            <a:t>PostgreSQL</a:t>
+          </a:r>
+          <a:endParaRPr lang="en-US" sz="2700" kern="1200"/>
+        </a:p>
+      </dsp:txBody>
+      <dsp:txXfrm>
+        <a:off x="7627519" y="2128842"/>
+        <a:ext cx="2058075" cy="720000"/>
+      </dsp:txXfrm>
+    </dsp:sp>
+  </dsp:spTree>
+</dsp:drawing>
+</file>
+
+<file path=ppt/diagrams/layout1.xml><?xml version="1.0" encoding="utf-8"?>
+<dgm:layoutDef xmlns:dgm="http://schemas.openxmlformats.org/drawingml/2006/diagram" xmlns:a="http://schemas.openxmlformats.org/drawingml/2006/main" uniqueId="urn:microsoft.com/office/officeart/2018/2/layout/IconLabelList">
+  <dgm:title val="Icon Label List"/>
+  <dgm:desc val="Use to show non-sequential or grouped chunks of information accompanied by a related visuals. Works best with icons or small pictures with short text captions."/>
+  <dgm:catLst>
+    <dgm:cat type="icon" pri="500"/>
+  </dgm:catLst>
+  <dgm:sampData useDef="1">
+    <dgm:dataModel>
+      <dgm:ptLst/>
+      <dgm:bg/>
+      <dgm:whole/>
+    </dgm:dataModel>
+  </dgm:sampData>
+  <dgm:styleData useDef="1">
+    <dgm:dataModel>
+      <dgm:ptLst/>
+      <dgm:bg/>
+      <dgm:whole/>
+    </dgm:dataModel>
+  </dgm:styleData>
+  <dgm:clrData useDef="1">
+    <dgm:dataModel>
+      <dgm:ptLst/>
+      <dgm:bg/>
+      <dgm:whole/>
+    </dgm:dataModel>
+  </dgm:clrData>
+  <dgm:layoutNode name="root">
+    <dgm:varLst>
+      <dgm:dir/>
+      <dgm:resizeHandles val="exact"/>
+    </dgm:varLst>
+    <dgm:choose name="Name0">
+      <dgm:if name="Name1" axis="self" func="var" arg="dir" op="equ" val="norm">
+        <dgm:alg type="snake">
+          <dgm:param type="grDir" val="tL"/>
+          <dgm:param type="flowDir" val="row"/>
+          <dgm:param type="contDir" val="sameDir"/>
+          <dgm:param type="off" val="ctr"/>
+          <dgm:param type="vertAlign" val="mid"/>
+          <dgm:param type="horzAlign" val="ctr"/>
+        </dgm:alg>
+      </dgm:if>
+      <dgm:else name="Name2">
+        <dgm:alg type="snake">
+          <dgm:param type="grDir" val="tR"/>
+          <dgm:param type="flowDir" val="row"/>
+          <dgm:param type="contDir" val="sameDir"/>
+          <dgm:param type="off" val="ctr"/>
+          <dgm:param type="vertAlign" val="mid"/>
+          <dgm:param type="horzAlign" val="ctr"/>
+        </dgm:alg>
+      </dgm:else>
+    </dgm:choose>
+    <dgm:shape xmlns:r="http://schemas.openxmlformats.org/officeDocument/2006/relationships" r:blip="">
+      <dgm:adjLst/>
+    </dgm:shape>
+    <dgm:presOf/>
+    <dgm:choose name="Name3">
+      <dgm:if name="Name4" axis="ch" ptType="node" func="cnt" op="lte" val="2">
+        <dgm:constrLst>
+          <dgm:constr type="h" for="ch" forName="compNode" refType="h" fact="0.4"/>
+          <dgm:constr type="w" for="ch" forName="compNode" val="120"/>
+          <dgm:constr type="w" for="ch" forName="sibTrans" refType="w" refFor="ch" refForName="compNode" fact="0.175"/>
+          <dgm:constr type="sp" refType="w" refFor="ch" refForName="compNode" op="equ" fact="0.25"/>
+          <dgm:constr type="primFontSz" for="des" ptType="node" op="equ" val="50"/>
+          <dgm:constr type="h" for="des" forName="compNode" op="equ"/>
+          <dgm:constr type="h" for="des" forName="textRect" op="equ"/>
+        </dgm:constrLst>
+      </dgm:if>
+      <dgm:if name="Name5" axis="ch" ptType="node" func="cnt" op="lte" val="4">
+        <dgm:constrLst>
+          <dgm:constr type="h" for="ch" forName="compNode" refType="h" fact="0.4"/>
+          <dgm:constr type="w" for="ch" forName="compNode" refType="w"/>
+          <dgm:constr type="w" for="ch" forName="sibTrans" refType="w" refFor="ch" refForName="compNode" fact="0.175"/>
+          <dgm:constr type="sp" refType="w" refFor="ch" refForName="compNode" op="equ" fact="0.25"/>
+          <dgm:constr type="primFontSz" for="des" ptType="node" op="equ" val="36"/>
+          <dgm:constr type="h" for="des" forName="compNode" op="equ"/>
+          <dgm:constr type="h" for="des" forName="textRect" op="equ"/>
+        </dgm:constrLst>
+      </dgm:if>
+      <dgm:else name="Name6">
+        <dgm:constrLst>
+          <dgm:constr type="h" for="ch" forName="compNode" refType="h" fact="0.4"/>
+          <dgm:constr type="w" for="ch" forName="compNode" refType="w"/>
+          <dgm:constr type="w" for="ch" forName="sibTrans" refType="w" refFor="ch" refForName="compNode" fact="0.175"/>
+          <dgm:constr type="sp" refType="w" refFor="ch" refForName="compNode" op="equ" fact="0.25"/>
+          <dgm:constr type="primFontSz" for="des" ptType="node" op="equ" val="24"/>
+          <dgm:constr type="h" for="des" forName="compNode" op="equ"/>
+          <dgm:constr type="h" for="des" forName="textRect" op="equ"/>
+        </dgm:constrLst>
+      </dgm:else>
+    </dgm:choose>
+    <dgm:ruleLst>
+      <dgm:rule type="w" for="ch" forName="compNode" val="50" fact="NaN" max="NaN"/>
+    </dgm:ruleLst>
+    <dgm:forEach name="Name7" axis="ch" ptType="node">
+      <dgm:layoutNode name="compNode">
+        <dgm:alg type="composite"/>
+        <dgm:shape xmlns:r="http://schemas.openxmlformats.org/officeDocument/2006/relationships" r:blip="">
+          <dgm:adjLst/>
+        </dgm:shape>
+        <dgm:presOf axis="self"/>
+        <dgm:constrLst>
+          <dgm:constr type="w" for="ch" forName="iconRect" refType="w" fact="0.45"/>
+          <dgm:constr type="h" for="ch" forName="iconRect" refType="w" refFor="ch" refForName="iconRect"/>
+          <dgm:constr type="ctrX" for="ch" forName="iconRect" refType="w" fact="0.5"/>
+          <dgm:constr type="t" for="ch" forName="iconRect"/>
+          <dgm:constr type="h" for="ch" forName="spaceRect" refType="h" fact="0.15"/>
+          <dgm:constr type="w" for="ch" forName="spaceRect" refType="w"/>
+          <dgm:constr type="l" for="ch" forName="spaceRect"/>
+          <dgm:constr type="t" for="ch" forName="spaceRect" refType="b" refFor="ch" refForName="iconRect"/>
+          <dgm:constr type="h" for="ch" forName="textRect" val="20"/>
+          <dgm:constr type="w" for="ch" forName="textRect" refType="w"/>
+          <dgm:constr type="l" for="ch" forName="textRect"/>
+          <dgm:constr type="t" for="ch" forName="textRect" refType="b" refFor="ch" refForName="spaceRect"/>
+        </dgm:constrLst>
+        <dgm:ruleLst>
+          <dgm:rule type="h" val="INF" fact="NaN" max="NaN"/>
+        </dgm:ruleLst>
+        <dgm:layoutNode name="iconRect" styleLbl="node1">
+          <dgm:alg type="sp"/>
+          <dgm:shape xmlns:r="http://schemas.openxmlformats.org/officeDocument/2006/relationships" type="rect" r:blip="" blipPhldr="1">
+            <dgm:adjLst/>
+          </dgm:shape>
+          <dgm:presOf/>
+          <dgm:constrLst/>
+          <dgm:ruleLst/>
+        </dgm:layoutNode>
+        <dgm:layoutNode name="spaceRect">
+          <dgm:alg type="sp"/>
+          <dgm:shape xmlns:r="http://schemas.openxmlformats.org/officeDocument/2006/relationships" r:blip="">
+            <dgm:adjLst/>
+          </dgm:shape>
+          <dgm:presOf/>
+          <dgm:constrLst/>
+          <dgm:ruleLst/>
+        </dgm:layoutNode>
+        <dgm:layoutNode name="textRect" styleLbl="revTx">
+          <dgm:varLst>
+            <dgm:chMax val="1"/>
+            <dgm:chPref val="1"/>
+          </dgm:varLst>
+          <dgm:alg type="tx">
+            <dgm:param type="txAnchorVert" val="t"/>
+          </dgm:alg>
+          <dgm:shape xmlns:r="http://schemas.openxmlformats.org/officeDocument/2006/relationships" type="rect" r:blip="">
+            <dgm:adjLst/>
+          </dgm:shape>
+          <dgm:presOf axis="self" ptType="node"/>
+          <dgm:constrLst>
+            <dgm:constr type="lMarg"/>
+            <dgm:constr type="rMarg"/>
+            <dgm:constr type="tMarg"/>
+            <dgm:constr type="bMarg"/>
+          </dgm:constrLst>
+          <dgm:ruleLst>
+            <dgm:rule type="primFontSz" val="11" fact="NaN" max="NaN"/>
+            <dgm:rule type="h" val="INF" fact="NaN" max="NaN"/>
+          </dgm:ruleLst>
+        </dgm:layoutNode>
+      </dgm:layoutNode>
+      <dgm:forEach name="Name8" axis="followSib" ptType="sibTrans" cnt="1">
+        <dgm:layoutNode name="sibTrans">
+          <dgm:alg type="sp"/>
+          <dgm:shape xmlns:r="http://schemas.openxmlformats.org/officeDocument/2006/relationships" r:blip="">
+            <dgm:adjLst/>
+          </dgm:shape>
+          <dgm:presOf axis="self"/>
+          <dgm:constrLst/>
+          <dgm:ruleLst/>
+        </dgm:layoutNode>
+      </dgm:forEach>
+    </dgm:forEach>
+  </dgm:layoutNode>
+  <dgm:extLst>
+    <a:ext uri="{68A01E43-0DF5-4B5B-8FA6-DAF915123BFB}">
+      <dgm1612:lstStyle xmlns:dgm1612="http://schemas.microsoft.com/office/drawing/2016/12/diagram">
+        <a:lvl1pPr>
+          <a:lnSpc>
+            <a:spcPct val="100000"/>
+          </a:lnSpc>
+        </a:lvl1pPr>
+      </dgm1612:lstStyle>
+    </a:ext>
+  </dgm:extLst>
+</dgm:layoutDef>
+</file>
+
+<file path=ppt/diagrams/quickStyle1.xml><?xml version="1.0" encoding="utf-8"?>
+<dgm:styleDef xmlns:dgm="http://schemas.openxmlformats.org/drawingml/2006/diagram" xmlns:a="http://schemas.openxmlformats.org/drawingml/2006/main" uniqueId="urn:microsoft.com/office/officeart/2005/8/quickstyle/simple1">
+  <dgm:title val=""/>
+  <dgm:desc val=""/>
+  <dgm:catLst>
+    <dgm:cat type="simple" pri="10100"/>
+  </dgm:catLst>
+  <dgm:scene3d>
+    <a:camera prst="orthographicFront"/>
+    <a:lightRig rig="threePt" dir="t"/>
+  </dgm:scene3d>
+  <dgm:styleLbl name="node0">
+    <dgm:scene3d>
+      <a:camera prst="orthographicFront"/>
+      <a:lightRig rig="threePt" dir="t"/>
+    </dgm:scene3d>
+    <dgm:sp3d/>
+    <dgm:txPr/>
+    <dgm:style>
+      <a:lnRef idx="2">
+        <a:scrgbClr r="0" g="0" b="0"/>
+      </a:lnRef>
+      <a:fillRef idx="1">
+        <a:scrgbClr r="0" g="0" b="0"/>
+      </a:fillRef>
+      <a:effectRef idx="0">
+        <a:scrgbClr r="0" g="0" b="0"/>
+      </a:effectRef>
+      <a:fontRef idx="minor">
+        <a:schemeClr val="lt1"/>
+      </a:fontRef>
+    </dgm:style>
+  </dgm:styleLbl>
+  <dgm:styleLbl name="lnNode1">
+    <dgm:scene3d>
+      <a:camera prst="orthographicFront"/>
+      <a:lightRig rig="threePt" dir="t"/>
+    </dgm:scene3d>
+    <dgm:sp3d/>
+    <dgm:txPr/>
+    <dgm:style>
+      <a:lnRef idx="2">
+        <a:scrgbClr r="0" g="0" b="0"/>
+      </a:lnRef>
+      <a:fillRef idx="1">
+        <a:scrgbClr r="0" g="0" b="0"/>
+      </a:fillRef>
+      <a:effectRef idx="0">
+        <a:scrgbClr r="0" g="0" b="0"/>
+      </a:effectRef>
+      <a:fontRef idx="minor">
+        <a:schemeClr val="lt1"/>
+      </a:fontRef>
+    </dgm:style>
+  </dgm:styleLbl>
+  <dgm:styleLbl name="vennNode1">
+    <dgm:scene3d>
+      <a:camera prst="orthographicFront"/>
+      <a:lightRig rig="threePt" dir="t"/>
+    </dgm:scene3d>
+    <dgm:sp3d/>
+    <dgm:txPr/>
+    <dgm:style>
+      <a:lnRef idx="2">
+        <a:scrgbClr r="0" g="0" b="0"/>
+      </a:lnRef>
+      <a:fillRef idx="1">
+        <a:scrgbClr r="0" g="0" b="0"/>
+      </a:fillRef>
+      <a:effectRef idx="0">
+        <a:scrgbClr r="0" g="0" b="0"/>
+      </a:effectRef>
+      <a:fontRef idx="minor">
+        <a:schemeClr val="tx1"/>
+      </a:fontRef>
+    </dgm:style>
+  </dgm:styleLbl>
+  <dgm:styleLbl name="alignNode1">
+    <dgm:scene3d>
+      <a:camera prst="orthographicFront"/>
+      <a:lightRig rig="threePt" dir="t"/>
+    </dgm:scene3d>
+    <dgm:sp3d/>
+    <dgm:txPr/>
+    <dgm:style>
+      <a:lnRef idx="2">
+        <a:scrgbClr r="0" g="0" b="0"/>
+      </a:lnRef>
+      <a:fillRef idx="1">
+        <a:scrgbClr r="0" g="0" b="0"/>
+      </a:fillRef>
+      <a:effectRef idx="0">
+        <a:scrgbClr r="0" g="0" b="0"/>
+      </a:effectRef>
+      <a:fontRef idx="minor">
+        <a:schemeClr val="lt1"/>
+      </a:fontRef>
+    </dgm:style>
+  </dgm:styleLbl>
+  <dgm:styleLbl name="node1">
+    <dgm:scene3d>
+      <a:camera prst="orthographicFront"/>
+      <a:lightRig rig="threePt" dir="t"/>
+    </dgm:scene3d>
+    <dgm:sp3d/>
+    <dgm:txPr/>
+    <dgm:style>
+      <a:lnRef idx="2">
+        <a:scrgbClr r="0" g="0" b="0"/>
+      </a:lnRef>
+      <a:fillRef idx="1">
+        <a:scrgbClr r="0" g="0" b="0"/>
+      </a:fillRef>
+      <a:effectRef idx="0">
+        <a:scrgbClr r="0" g="0" b="0"/>
+      </a:effectRef>
+      <a:fontRef idx="minor">
+        <a:schemeClr val="lt1"/>
+      </a:fontRef>
+    </dgm:style>
+  </dgm:styleLbl>
+  <dgm:styleLbl name="node2">
+    <dgm:scene3d>
+      <a:camera prst="orthographicFront"/>
+      <a:lightRig rig="threePt" dir="t"/>
+    </dgm:scene3d>
+    <dgm:sp3d/>
+    <dgm:txPr/>
+    <dgm:style>
+      <a:lnRef idx="2">
+        <a:scrgbClr r="0" g="0" b="0"/>
+      </a:lnRef>
+      <a:fillRef idx="1">
+        <a:scrgbClr r="0" g="0" b="0"/>
+      </a:fillRef>
+      <a:effectRef idx="0">
+        <a:scrgbClr r="0" g="0" b="0"/>
+      </a:effectRef>
+      <a:fontRef idx="minor">
+        <a:schemeClr val="lt1"/>
+      </a:fontRef>
+    </dgm:style>
+  </dgm:styleLbl>
+  <dgm:styleLbl name="node3">
+    <dgm:scene3d>
+      <a:camera prst="orthographicFront"/>
+      <a:lightRig rig="threePt" dir="t"/>
+    </dgm:scene3d>
+    <dgm:sp3d/>
+    <dgm:txPr/>
+    <dgm:style>
+      <a:lnRef idx="2">
+        <a:scrgbClr r="0" g="0" b="0"/>
+      </a:lnRef>
+      <a:fillRef idx="1">
+        <a:scrgbClr r="0" g="0" b="0"/>
+      </a:fillRef>
+      <a:effectRef idx="0">
+        <a:scrgbClr r="0" g="0" b="0"/>
+      </a:effectRef>
+      <a:fontRef idx="minor">
+        <a:schemeClr val="lt1"/>
+      </a:fontRef>
+    </dgm:style>
+  </dgm:styleLbl>
+  <dgm:styleLbl name="node4">
+    <dgm:scene3d>
+      <a:camera prst="orthographicFront"/>
+      <a:lightRig rig="threePt" dir="t"/>
+    </dgm:scene3d>
+    <dgm:sp3d/>
+    <dgm:txPr/>
+    <dgm:style>
+      <a:lnRef idx="2">
+        <a:scrgbClr r="0" g="0" b="0"/>
+      </a:lnRef>
+      <a:fillRef idx="1">
+        <a:scrgbClr r="0" g="0" b="0"/>
+      </a:fillRef>
+      <a:effectRef idx="0">
+        <a:scrgbClr r="0" g="0" b="0"/>
+      </a:effectRef>
+      <a:fontRef idx="minor">
+        <a:schemeClr val="lt1"/>
+      </a:fontRef>
+    </dgm:style>
+  </dgm:styleLbl>
+  <dgm:styleLbl name="fgImgPlace1">
+    <dgm:scene3d>
+      <a:camera prst="orthographicFront"/>
+      <a:lightRig rig="threePt" dir="t"/>
+    </dgm:scene3d>
+    <dgm:sp3d/>
+    <dgm:txPr/>
+    <dgm:style>
+      <a:lnRef idx="2">
+        <a:scrgbClr r="0" g="0" b="0"/>
+      </a:lnRef>
+      <a:fillRef idx="1">
+        <a:scrgbClr r="0" g="0" b="0"/>
+      </a:fillRef>
+      <a:effectRef idx="0">
+        <a:scrgbClr r="0" g="0" b="0"/>
+      </a:effectRef>
+      <a:fontRef idx="minor"/>
+    </dgm:style>
+  </dgm:styleLbl>
+  <dgm:styleLbl name="alignImgPlace1">
+    <dgm:scene3d>
+      <a:camera prst="orthographicFront"/>
+      <a:lightRig rig="threePt" dir="t"/>
+    </dgm:scene3d>
+    <dgm:sp3d/>
+    <dgm:txPr/>
+    <dgm:style>
+      <a:lnRef idx="2">
+        <a:scrgbClr r="0" g="0" b="0"/>
+      </a:lnRef>
+      <a:fillRef idx="1">
+        <a:scrgbClr r="0" g="0" b="0"/>
+      </a:fillRef>
+      <a:effectRef idx="0">
+        <a:scrgbClr r="0" g="0" b="0"/>
+      </a:effectRef>
+      <a:fontRef idx="minor"/>
+    </dgm:style>
+  </dgm:styleLbl>
+  <dgm:styleLbl name="bgImgPlace1">
+    <dgm:scene3d>
+      <a:camera prst="orthographicFront"/>
+      <a:lightRig rig="threePt" dir="t"/>
+    </dgm:scene3d>
+    <dgm:sp3d/>
+    <dgm:txPr/>
+    <dgm:style>
+      <a:lnRef idx="2">
+        <a:scrgbClr r="0" g="0" b="0"/>
+      </a:lnRef>
+      <a:fillRef idx="1">
+        <a:scrgbClr r="0" g="0" b="0"/>
+      </a:fillRef>
+      <a:effectRef idx="0">
+        <a:scrgbClr r="0" g="0" b="0"/>
+      </a:effectRef>
+      <a:fontRef idx="minor"/>
+    </dgm:style>
+  </dgm:styleLbl>
+  <dgm:styleLbl name="sibTrans2D1">
+    <dgm:scene3d>
+      <a:camera prst="orthographicFront"/>
+      <a:lightRig rig="threePt" dir="t"/>
+    </dgm:scene3d>
+    <dgm:sp3d/>
+    <dgm:txPr/>
+    <dgm:style>
+      <a:lnRef idx="0">
+        <a:scrgbClr r="0" g="0" b="0"/>
+      </a:lnRef>
+      <a:fillRef idx="1">
+        <a:scrgbClr r="0" g="0" b="0"/>
+      </a:fillRef>
+      <a:effectRef idx="0">
+        <a:scrgbClr r="0" g="0" b="0"/>
+      </a:effectRef>
+      <a:fontRef idx="minor">
+        <a:schemeClr val="lt1"/>
+      </a:fontRef>
+    </dgm:style>
+  </dgm:styleLbl>
+  <dgm:styleLbl name="fgSibTrans2D1">
+    <dgm:scene3d>
+      <a:camera prst="orthographicFront"/>
+      <a:lightRig rig="threePt" dir="t"/>
+    </dgm:scene3d>
+    <dgm:sp3d/>
+    <dgm:txPr/>
+    <dgm:style>
+      <a:lnRef idx="0">
+        <a:scrgbClr r="0" g="0" b="0"/>
+      </a:lnRef>
+      <a:fillRef idx="1">
+        <a:scrgbClr r="0" g="0" b="0"/>
+      </a:fillRef>
+      <a:effectRef idx="0">
+        <a:scrgbClr r="0" g="0" b="0"/>
+      </a:effectRef>
+      <a:fontRef idx="minor">
+        <a:schemeClr val="lt1"/>
+      </a:fontRef>
+    </dgm:style>
+  </dgm:styleLbl>
+  <dgm:styleLbl name="bgSibTrans2D1">
+    <dgm:scene3d>
+      <a:camera prst="orthographicFront"/>
+      <a:lightRig rig="threePt" dir="t"/>
+    </dgm:scene3d>
+    <dgm:sp3d/>
+    <dgm:txPr/>
+    <dgm:style>
+      <a:lnRef idx="0">
+        <a:scrgbClr r="0" g="0" b="0"/>
+      </a:lnRef>
+      <a:fillRef idx="1">
+        <a:scrgbClr r="0" g="0" b="0"/>
+      </a:fillRef>
+      <a:effectRef idx="0">
+        <a:scrgbClr r="0" g="0" b="0"/>
+      </a:effectRef>
+      <a:fontRef idx="minor">
+        <a:schemeClr val="lt1"/>
+      </a:fontRef>
+    </dgm:style>
+  </dgm:styleLbl>
+  <dgm:styleLbl name="sibTrans1D1">
+    <dgm:scene3d>
+      <a:camera prst="orthographicFront"/>
+      <a:lightRig rig="threePt" dir="t"/>
+    </dgm:scene3d>
+    <dgm:sp3d/>
+    <dgm:txPr/>
+    <dgm:style>
+      <a:lnRef idx="1">
+        <a:scrgbClr r="0" g="0" b="0"/>
+      </a:lnRef>
+      <a:fillRef idx="0">
+        <a:scrgbClr r="0" g="0" b="0"/>
+      </a:fillRef>
+      <a:effectRef idx="0">
+        <a:scrgbClr r="0" g="0" b="0"/>
+      </a:effectRef>
+      <a:fontRef idx="minor"/>
+    </dgm:style>
+  </dgm:styleLbl>
+  <dgm:styleLbl name="callout">
+    <dgm:scene3d>
+      <a:camera prst="orthographicFront"/>
+      <a:lightRig rig="threePt" dir="t"/>
+    </dgm:scene3d>
+    <dgm:sp3d/>
+    <dgm:txPr/>
+    <dgm:style>
+      <a:lnRef idx="2">
+        <a:scrgbClr r="0" g="0" b="0"/>
+      </a:lnRef>
+      <a:fillRef idx="1">
+        <a:scrgbClr r="0" g="0" b="0"/>
+      </a:fillRef>
+      <a:effectRef idx="0">
+        <a:scrgbClr r="0" g="0" b="0"/>
+      </a:effectRef>
+      <a:fontRef idx="minor"/>
+    </dgm:style>
+  </dgm:styleLbl>
+  <dgm:styleLbl name="asst0">
+    <dgm:scene3d>
+      <a:camera prst="orthographicFront"/>
+      <a:lightRig rig="threePt" dir="t"/>
+    </dgm:scene3d>
+    <dgm:sp3d/>
+    <dgm:txPr/>
+    <dgm:style>
+      <a:lnRef idx="2">
+        <a:scrgbClr r="0" g="0" b="0"/>
+      </a:lnRef>
+      <a:fillRef idx="1">
+        <a:scrgbClr r="0" g="0" b="0"/>
+      </a:fillRef>
+      <a:effectRef idx="0">
+        <a:scrgbClr r="0" g="0" b="0"/>
+      </a:effectRef>
+      <a:fontRef idx="minor">
+        <a:schemeClr val="lt1"/>
+      </a:fontRef>
+    </dgm:style>
+  </dgm:styleLbl>
+  <dgm:styleLbl name="asst1">
+    <dgm:scene3d>
+      <a:camera prst="orthographicFront"/>
+      <a:lightRig rig="threePt" dir="t"/>
+    </dgm:scene3d>
+    <dgm:sp3d/>
+    <dgm:txPr/>
+    <dgm:style>
+      <a:lnRef idx="2">
+        <a:scrgbClr r="0" g="0" b="0"/>
+      </a:lnRef>
+      <a:fillRef idx="1">
+        <a:scrgbClr r="0" g="0" b="0"/>
+      </a:fillRef>
+      <a:effectRef idx="0">
+        <a:scrgbClr r="0" g="0" b="0"/>
+      </a:effectRef>
+      <a:fontRef idx="minor">
+        <a:schemeClr val="lt1"/>
+      </a:fontRef>
+    </dgm:style>
+  </dgm:styleLbl>
+  <dgm:styleLbl name="asst2">
+    <dgm:scene3d>
+      <a:camera prst="orthographicFront"/>
+      <a:lightRig rig="threePt" dir="t"/>
+    </dgm:scene3d>
+    <dgm:sp3d/>
+    <dgm:txPr/>
+    <dgm:style>
+      <a:lnRef idx="2">
+        <a:scrgbClr r="0" g="0" b="0"/>
+      </a:lnRef>
+      <a:fillRef idx="1">
+        <a:scrgbClr r="0" g="0" b="0"/>
+      </a:fillRef>
+      <a:effectRef idx="0">
+        <a:scrgbClr r="0" g="0" b="0"/>
+      </a:effectRef>
+      <a:fontRef idx="minor">
+        <a:schemeClr val="lt1"/>
+      </a:fontRef>
+    </dgm:style>
+  </dgm:styleLbl>
+  <dgm:styleLbl name="asst3">
+    <dgm:scene3d>
+      <a:camera prst="orthographicFront"/>
+      <a:lightRig rig="threePt" dir="t"/>
+    </dgm:scene3d>
+    <dgm:sp3d/>
+    <dgm:txPr/>
+    <dgm:style>
+      <a:lnRef idx="2">
+        <a:scrgbClr r="0" g="0" b="0"/>
+      </a:lnRef>
+      <a:fillRef idx="1">
+        <a:scrgbClr r="0" g="0" b="0"/>
+      </a:fillRef>
+      <a:effectRef idx="0">
+        <a:scrgbClr r="0" g="0" b="0"/>
+      </a:effectRef>
+      <a:fontRef idx="minor">
+        <a:schemeClr val="lt1"/>
+      </a:fontRef>
+    </dgm:style>
+  </dgm:styleLbl>
+  <dgm:styleLbl name="asst4">
+    <dgm:scene3d>
+      <a:camera prst="orthographicFront"/>
+      <a:lightRig rig="threePt" dir="t"/>
+    </dgm:scene3d>
+    <dgm:sp3d/>
+    <dgm:txPr/>
+    <dgm:style>
+      <a:lnRef idx="2">
+        <a:scrgbClr r="0" g="0" b="0"/>
+      </a:lnRef>
+      <a:fillRef idx="1">
+        <a:scrgbClr r="0" g="0" b="0"/>
+      </a:fillRef>
+      <a:effectRef idx="0">
+        <a:scrgbClr r="0" g="0" b="0"/>
+      </a:effectRef>
+      <a:fontRef idx="minor">
+        <a:schemeClr val="lt1"/>
+      </a:fontRef>
+    </dgm:style>
+  </dgm:styleLbl>
+  <dgm:styleLbl name="parChTrans2D1">
+    <dgm:scene3d>
+      <a:camera prst="orthographicFront"/>
+      <a:lightRig rig="threePt" dir="t"/>
+    </dgm:scene3d>
+    <dgm:sp3d/>
+    <dgm:txPr/>
+    <dgm:style>
+      <a:lnRef idx="2">
+        <a:scrgbClr r="0" g="0" b="0"/>
+      </a:lnRef>
+      <a:fillRef idx="1">
+        <a:scrgbClr r="0" g="0" b="0"/>
+      </a:fillRef>
+      <a:effectRef idx="0">
+        <a:scrgbClr r="0" g="0" b="0"/>
+      </a:effectRef>
+      <a:fontRef idx="minor">
+        <a:schemeClr val="lt1"/>
+      </a:fontRef>
+    </dgm:style>
+  </dgm:styleLbl>
+  <dgm:styleLbl name="parChTrans2D2">
+    <dgm:scene3d>
+      <a:camera prst="orthographicFront"/>
+      <a:lightRig rig="threePt" dir="t"/>
+    </dgm:scene3d>
+    <dgm:sp3d/>
+    <dgm:txPr/>
+    <dgm:style>
+      <a:lnRef idx="2">
+        <a:scrgbClr r="0" g="0" b="0"/>
+      </a:lnRef>
+      <a:fillRef idx="1">
+        <a:scrgbClr r="0" g="0" b="0"/>
+      </a:fillRef>
+      <a:effectRef idx="0">
+        <a:scrgbClr r="0" g="0" b="0"/>
+      </a:effectRef>
+      <a:fontRef idx="minor">
+        <a:schemeClr val="lt1"/>
+      </a:fontRef>
+    </dgm:style>
+  </dgm:styleLbl>
+  <dgm:styleLbl name="parChTrans2D3">
+    <dgm:scene3d>
+      <a:camera prst="orthographicFront"/>
+      <a:lightRig rig="threePt" dir="t"/>
+    </dgm:scene3d>
+    <dgm:sp3d/>
+    <dgm:txPr/>
+    <dgm:style>
+      <a:lnRef idx="2">
+        <a:scrgbClr r="0" g="0" b="0"/>
+      </a:lnRef>
+      <a:fillRef idx="1">
+        <a:scrgbClr r="0" g="0" b="0"/>
+      </a:fillRef>
+      <a:effectRef idx="0">
+        <a:scrgbClr r="0" g="0" b="0"/>
+      </a:effectRef>
+      <a:fontRef idx="minor">
+        <a:schemeClr val="lt1"/>
+      </a:fontRef>
+    </dgm:style>
+  </dgm:styleLbl>
+  <dgm:styleLbl name="parChTrans2D4">
+    <dgm:scene3d>
+      <a:camera prst="orthographicFront"/>
+      <a:lightRig rig="threePt" dir="t"/>
+    </dgm:scene3d>
+    <dgm:sp3d/>
+    <dgm:txPr/>
+    <dgm:style>
+      <a:lnRef idx="2">
+        <a:scrgbClr r="0" g="0" b="0"/>
+      </a:lnRef>
+      <a:fillRef idx="1">
+        <a:scrgbClr r="0" g="0" b="0"/>
+      </a:fillRef>
+      <a:effectRef idx="0">
+        <a:scrgbClr r="0" g="0" b="0"/>
+      </a:effectRef>
+      <a:fontRef idx="minor">
+        <a:schemeClr val="lt1"/>
+      </a:fontRef>
+    </dgm:style>
+  </dgm:styleLbl>
+  <dgm:styleLbl name="parChTrans1D1">
+    <dgm:scene3d>
+      <a:camera prst="orthographicFront"/>
+      <a:lightRig rig="threePt" dir="t"/>
+    </dgm:scene3d>
+    <dgm:sp3d/>
+    <dgm:txPr/>
+    <dgm:style>
+      <a:lnRef idx="2">
+        <a:scrgbClr r="0" g="0" b="0"/>
+      </a:lnRef>
+      <a:fillRef idx="0">
+        <a:scrgbClr r="0" g="0" b="0"/>
+      </a:fillRef>
+      <a:effectRef idx="0">
+        <a:scrgbClr r="0" g="0" b="0"/>
+      </a:effectRef>
+      <a:fontRef idx="minor"/>
+    </dgm:style>
+  </dgm:styleLbl>
+  <dgm:styleLbl name="parChTrans1D2">
+    <dgm:scene3d>
+      <a:camera prst="orthographicFront"/>
+      <a:lightRig rig="threePt" dir="t"/>
+    </dgm:scene3d>
+    <dgm:sp3d/>
+    <dgm:txPr/>
+    <dgm:style>
+      <a:lnRef idx="2">
+        <a:scrgbClr r="0" g="0" b="0"/>
+      </a:lnRef>
+      <a:fillRef idx="0">
+        <a:scrgbClr r="0" g="0" b="0"/>
+      </a:fillRef>
+      <a:effectRef idx="0">
+        <a:scrgbClr r="0" g="0" b="0"/>
+      </a:effectRef>
+      <a:fontRef idx="minor"/>
+    </dgm:style>
+  </dgm:styleLbl>
+  <dgm:styleLbl name="parChTrans1D3">
+    <dgm:scene3d>
+      <a:camera prst="orthographicFront"/>
+      <a:lightRig rig="threePt" dir="t"/>
+    </dgm:scene3d>
+    <dgm:sp3d/>
+    <dgm:txPr/>
+    <dgm:style>
+      <a:lnRef idx="2">
+        <a:scrgbClr r="0" g="0" b="0"/>
+      </a:lnRef>
+      <a:fillRef idx="0">
+        <a:scrgbClr r="0" g="0" b="0"/>
+      </a:fillRef>
+      <a:effectRef idx="0">
+        <a:scrgbClr r="0" g="0" b="0"/>
+      </a:effectRef>
+      <a:fontRef idx="minor"/>
+    </dgm:style>
+  </dgm:styleLbl>
+  <dgm:styleLbl name="parChTrans1D4">
+    <dgm:scene3d>
+      <a:camera prst="orthographicFront"/>
+      <a:lightRig rig="threePt" dir="t"/>
+    </dgm:scene3d>
+    <dgm:sp3d/>
+    <dgm:txPr/>
+    <dgm:style>
+      <a:lnRef idx="2">
+        <a:scrgbClr r="0" g="0" b="0"/>
+      </a:lnRef>
+      <a:fillRef idx="0">
+        <a:scrgbClr r="0" g="0" b="0"/>
+      </a:fillRef>
+      <a:effectRef idx="0">
+        <a:scrgbClr r="0" g="0" b="0"/>
+      </a:effectRef>
+      <a:fontRef idx="minor"/>
+    </dgm:style>
+  </dgm:styleLbl>
+  <dgm:styleLbl name="fgAcc1">
+    <dgm:scene3d>
+      <a:camera prst="orthographicFront"/>
+      <a:lightRig rig="threePt" dir="t"/>
+    </dgm:scene3d>
+    <dgm:sp3d/>
+    <dgm:txPr/>
+    <dgm:style>
+      <a:lnRef idx="2">
+        <a:scrgbClr r="0" g="0" b="0"/>
+      </a:lnRef>
+      <a:fillRef idx="1">
+        <a:scrgbClr r="0" g="0" b="0"/>
+      </a:fillRef>
+      <a:effectRef idx="0">
+        <a:scrgbClr r="0" g="0" b="0"/>
+      </a:effectRef>
+      <a:fontRef idx="minor"/>
+    </dgm:style>
+  </dgm:styleLbl>
+  <dgm:styleLbl name="conFgAcc1">
+    <dgm:scene3d>
+      <a:camera prst="orthographicFront"/>
+      <a:lightRig rig="threePt" dir="t"/>
+    </dgm:scene3d>
+    <dgm:sp3d/>
+    <dgm:txPr/>
+    <dgm:style>
+      <a:lnRef idx="2">
+        <a:scrgbClr r="0" g="0" b="0"/>
+      </a:lnRef>
+      <a:fillRef idx="1">
+        <a:scrgbClr r="0" g="0" b="0"/>
+      </a:fillRef>
+      <a:effectRef idx="0">
+        <a:scrgbClr r="0" g="0" b="0"/>
+      </a:effectRef>
+      <a:fontRef idx="minor"/>
+    </dgm:style>
+  </dgm:styleLbl>
+  <dgm:styleLbl name="alignAcc1">
+    <dgm:scene3d>
+      <a:camera prst="orthographicFront"/>
+      <a:lightRig rig="threePt" dir="t"/>
+    </dgm:scene3d>
+    <dgm:sp3d/>
+    <dgm:txPr/>
+    <dgm:style>
+      <a:lnRef idx="2">
+        <a:scrgbClr r="0" g="0" b="0"/>
+      </a:lnRef>
+      <a:fillRef idx="1">
+        <a:scrgbClr r="0" g="0" b="0"/>
+      </a:fillRef>
+      <a:effectRef idx="0">
+        <a:scrgbClr r="0" g="0" b="0"/>
+      </a:effectRef>
+      <a:fontRef idx="minor"/>
+    </dgm:style>
+  </dgm:styleLbl>
+  <dgm:styleLbl name="trAlignAcc1">
+    <dgm:scene3d>
+      <a:camera prst="orthographicFront"/>
+      <a:lightRig rig="threePt" dir="t"/>
+    </dgm:scene3d>
+    <dgm:sp3d/>
+    <dgm:txPr/>
+    <dgm:style>
+      <a:lnRef idx="1">
+        <a:scrgbClr r="0" g="0" b="0"/>
+      </a:lnRef>
+      <a:fillRef idx="1">
+        <a:scrgbClr r="0" g="0" b="0"/>
+      </a:fillRef>
+      <a:effectRef idx="0">
+        <a:scrgbClr r="0" g="0" b="0"/>
+      </a:effectRef>
+      <a:fontRef idx="minor"/>
+    </dgm:style>
+  </dgm:styleLbl>
+  <dgm:styleLbl name="bgAcc1">
+    <dgm:scene3d>
+      <a:camera prst="orthographicFront"/>
+      <a:lightRig rig="threePt" dir="t"/>
+    </dgm:scene3d>
+    <dgm:sp3d/>
+    <dgm:txPr/>
+    <dgm:style>
+      <a:lnRef idx="2">
+        <a:scrgbClr r="0" g="0" b="0"/>
+      </a:lnRef>
+      <a:fillRef idx="1">
+        <a:scrgbClr r="0" g="0" b="0"/>
+      </a:fillRef>
+      <a:effectRef idx="0">
+        <a:scrgbClr r="0" g="0" b="0"/>
+      </a:effectRef>
+      <a:fontRef idx="minor"/>
+    </dgm:style>
+  </dgm:styleLbl>
+  <dgm:styleLbl name="solidFgAcc1">
+    <dgm:scene3d>
+      <a:camera prst="orthographicFront"/>
+      <a:lightRig rig="threePt" dir="t"/>
+    </dgm:scene3d>
+    <dgm:sp3d/>
+    <dgm:txPr/>
+    <dgm:style>
+      <a:lnRef idx="2">
+        <a:scrgbClr r="0" g="0" b="0"/>
+      </a:lnRef>
+      <a:fillRef idx="1">
+        <a:scrgbClr r="0" g="0" b="0"/>
+      </a:fillRef>
+      <a:effectRef idx="0">
+        <a:scrgbClr r="0" g="0" b="0"/>
+      </a:effectRef>
+      <a:fontRef idx="minor"/>
+    </dgm:style>
+  </dgm:styleLbl>
+  <dgm:styleLbl name="solidAlignAcc1">
+    <dgm:scene3d>
+      <a:camera prst="orthographicFront"/>
+      <a:lightRig rig="threePt" dir="t"/>
+    </dgm:scene3d>
+    <dgm:sp3d/>
+    <dgm:txPr/>
+    <dgm:style>
+      <a:lnRef idx="2">
+        <a:scrgbClr r="0" g="0" b="0"/>
+      </a:lnRef>
+      <a:fillRef idx="1">
+        <a:scrgbClr r="0" g="0" b="0"/>
+      </a:fillRef>
+      <a:effectRef idx="0">
+        <a:scrgbClr r="0" g="0" b="0"/>
+      </a:effectRef>
+      <a:fontRef idx="minor"/>
+    </dgm:style>
+  </dgm:styleLbl>
+  <dgm:styleLbl name="solidBgAcc1">
+    <dgm:scene3d>
+      <a:camera prst="orthographicFront"/>
+      <a:lightRig rig="threePt" dir="t"/>
+    </dgm:scene3d>
+    <dgm:sp3d/>
+    <dgm:txPr/>
+    <dgm:style>
+      <a:lnRef idx="2">
+        <a:scrgbClr r="0" g="0" b="0"/>
+      </a:lnRef>
+      <a:fillRef idx="1">
+        <a:scrgbClr r="0" g="0" b="0"/>
+      </a:fillRef>
+      <a:effectRef idx="0">
+        <a:scrgbClr r="0" g="0" b="0"/>
+      </a:effectRef>
+      <a:fontRef idx="minor"/>
+    </dgm:style>
+  </dgm:styleLbl>
+  <dgm:styleLbl name="fgAccFollowNode1">
+    <dgm:scene3d>
+      <a:camera prst="orthographicFront"/>
+      <a:lightRig rig="threePt" dir="t"/>
+    </dgm:scene3d>
+    <dgm:sp3d/>
+    <dgm:txPr/>
+    <dgm:style>
+      <a:lnRef idx="2">
+        <a:scrgbClr r="0" g="0" b="0"/>
+      </a:lnRef>
+      <a:fillRef idx="1">
+        <a:scrgbClr r="0" g="0" b="0"/>
+      </a:fillRef>
+      <a:effectRef idx="0">
+        <a:scrgbClr r="0" g="0" b="0"/>
+      </a:effectRef>
+      <a:fontRef idx="minor"/>
+    </dgm:style>
+  </dgm:styleLbl>
+  <dgm:styleLbl name="alignAccFollowNode1">
+    <dgm:scene3d>
+      <a:camera prst="orthographicFront"/>
+      <a:lightRig rig="threePt" dir="t"/>
+    </dgm:scene3d>
+    <dgm:sp3d/>
+    <dgm:txPr/>
+    <dgm:style>
+      <a:lnRef idx="2">
+        <a:scrgbClr r="0" g="0" b="0"/>
+      </a:lnRef>
+      <a:fillRef idx="1">
+        <a:scrgbClr r="0" g="0" b="0"/>
+      </a:fillRef>
+      <a:effectRef idx="0">
+        <a:scrgbClr r="0" g="0" b="0"/>
+      </a:effectRef>
+      <a:fontRef idx="minor"/>
+    </dgm:style>
+  </dgm:styleLbl>
+  <dgm:styleLbl name="bgAccFollowNode1">
+    <dgm:scene3d>
+      <a:camera prst="orthographicFront"/>
+      <a:lightRig rig="threePt" dir="t"/>
+    </dgm:scene3d>
+    <dgm:sp3d/>
+    <dgm:txPr/>
+    <dgm:style>
+      <a:lnRef idx="2">
+        <a:scrgbClr r="0" g="0" b="0"/>
+      </a:lnRef>
+      <a:fillRef idx="1">
+        <a:scrgbClr r="0" g="0" b="0"/>
+      </a:fillRef>
+      <a:effectRef idx="0">
+        <a:scrgbClr r="0" g="0" b="0"/>
+      </a:effectRef>
+      <a:fontRef idx="minor"/>
+    </dgm:style>
+  </dgm:styleLbl>
+  <dgm:styleLbl name="fgAcc0">
+    <dgm:scene3d>
+      <a:camera prst="orthographicFront"/>
+      <a:lightRig rig="threePt" dir="t"/>
+    </dgm:scene3d>
+    <dgm:sp3d/>
+    <dgm:txPr/>
+    <dgm:style>
+      <a:lnRef idx="2">
+        <a:scrgbClr r="0" g="0" b="0"/>
+      </a:lnRef>
+      <a:fillRef idx="1">
+        <a:scrgbClr r="0" g="0" b="0"/>
+      </a:fillRef>
+      <a:effectRef idx="0">
+        <a:scrgbClr r="0" g="0" b="0"/>
+      </a:effectRef>
+      <a:fontRef idx="minor"/>
+    </dgm:style>
+  </dgm:styleLbl>
+  <dgm:styleLbl name="fgAcc2">
+    <dgm:scene3d>
+      <a:camera prst="orthographicFront"/>
+      <a:lightRig rig="threePt" dir="t"/>
+    </dgm:scene3d>
+    <dgm:sp3d/>
+    <dgm:txPr/>
+    <dgm:style>
+      <a:lnRef idx="2">
+        <a:scrgbClr r="0" g="0" b="0"/>
+      </a:lnRef>
+      <a:fillRef idx="1">
+        <a:scrgbClr r="0" g="0" b="0"/>
+      </a:fillRef>
+      <a:effectRef idx="0">
+        <a:scrgbClr r="0" g="0" b="0"/>
+      </a:effectRef>
+      <a:fontRef idx="minor"/>
+    </dgm:style>
+  </dgm:styleLbl>
+  <dgm:styleLbl name="fgAcc3">
+    <dgm:scene3d>
+      <a:camera prst="orthographicFront"/>
+      <a:lightRig rig="threePt" dir="t"/>
+    </dgm:scene3d>
+    <dgm:sp3d/>
+    <dgm:txPr/>
+    <dgm:style>
+      <a:lnRef idx="2">
+        <a:scrgbClr r="0" g="0" b="0"/>
+      </a:lnRef>
+      <a:fillRef idx="1">
+        <a:scrgbClr r="0" g="0" b="0"/>
+      </a:fillRef>
+      <a:effectRef idx="0">
+        <a:scrgbClr r="0" g="0" b="0"/>
+      </a:effectRef>
+      <a:fontRef idx="minor"/>
+    </dgm:style>
+  </dgm:styleLbl>
+  <dgm:styleLbl name="fgAcc4">
+    <dgm:scene3d>
+      <a:camera prst="orthographicFront"/>
+      <a:lightRig rig="threePt" dir="t"/>
+    </dgm:scene3d>
+    <dgm:sp3d/>
+    <dgm:txPr/>
+    <dgm:style>
+      <a:lnRef idx="2">
+        <a:scrgbClr r="0" g="0" b="0"/>
+      </a:lnRef>
+      <a:fillRef idx="1">
+        <a:scrgbClr r="0" g="0" b="0"/>
+      </a:fillRef>
+      <a:effectRef idx="0">
+        <a:scrgbClr r="0" g="0" b="0"/>
+      </a:effectRef>
+      <a:fontRef idx="minor"/>
+    </dgm:style>
+  </dgm:styleLbl>
+  <dgm:styleLbl name="bgShp">
+    <dgm:scene3d>
+      <a:camera prst="orthographicFront"/>
+      <a:lightRig rig="threePt" dir="t"/>
+    </dgm:scene3d>
+    <dgm:sp3d/>
+    <dgm:txPr/>
+    <dgm:style>
+      <a:lnRef idx="0">
+        <a:scrgbClr r="0" g="0" b="0"/>
+      </a:lnRef>
+      <a:fillRef idx="1">
+        <a:scrgbClr r="0" g="0" b="0"/>
+      </a:fillRef>
+      <a:effectRef idx="0">
+        <a:scrgbClr r="0" g="0" b="0"/>
+      </a:effectRef>
+      <a:fontRef idx="minor"/>
+    </dgm:style>
+  </dgm:styleLbl>
+  <dgm:styleLbl name="dkBgShp">
+    <dgm:scene3d>
+      <a:camera prst="orthographicFront"/>
+      <a:lightRig rig="threePt" dir="t"/>
+    </dgm:scene3d>
+    <dgm:sp3d/>
+    <dgm:txPr/>
+    <dgm:style>
+      <a:lnRef idx="0">
+        <a:scrgbClr r="0" g="0" b="0"/>
+      </a:lnRef>
+      <a:fillRef idx="1">
+        <a:scrgbClr r="0" g="0" b="0"/>
+      </a:fillRef>
+      <a:effectRef idx="0">
+        <a:scrgbClr r="0" g="0" b="0"/>
+      </a:effectRef>
+      <a:fontRef idx="minor"/>
+    </dgm:style>
+  </dgm:styleLbl>
+  <dgm:styleLbl name="trBgShp">
+    <dgm:scene3d>
+      <a:camera prst="orthographicFront"/>
+      <a:lightRig rig="threePt" dir="t"/>
+    </dgm:scene3d>
+    <dgm:sp3d/>
+    <dgm:txPr/>
+    <dgm:style>
+      <a:lnRef idx="0">
+        <a:scrgbClr r="0" g="0" b="0"/>
+      </a:lnRef>
+      <a:fillRef idx="1">
+        <a:scrgbClr r="0" g="0" b="0"/>
+      </a:fillRef>
+      <a:effectRef idx="0">
+        <a:scrgbClr r="0" g="0" b="0"/>
+      </a:effectRef>
+      <a:fontRef idx="minor"/>
+    </dgm:style>
+  </dgm:styleLbl>
+  <dgm:styleLbl name="fgShp">
+    <dgm:scene3d>
+      <a:camera prst="orthographicFront"/>
+      <a:lightRig rig="threePt" dir="t"/>
+    </dgm:scene3d>
+    <dgm:sp3d/>
+    <dgm:txPr/>
+    <dgm:style>
+      <a:lnRef idx="2">
+        <a:scrgbClr r="0" g="0" b="0"/>
+      </a:lnRef>
+      <a:fillRef idx="1">
+        <a:scrgbClr r="0" g="0" b="0"/>
+      </a:fillRef>
+      <a:effectRef idx="0">
+        <a:scrgbClr r="0" g="0" b="0"/>
+      </a:effectRef>
+      <a:fontRef idx="minor"/>
+    </dgm:style>
+  </dgm:styleLbl>
+  <dgm:styleLbl name="revTx">
+    <dgm:scene3d>
+      <a:camera prst="orthographicFront"/>
+      <a:lightRig rig="threePt" dir="t"/>
+    </dgm:scene3d>
+    <dgm:sp3d/>
+    <dgm:txPr/>
+    <dgm:style>
+      <a:lnRef idx="0">
+        <a:scrgbClr r="0" g="0" b="0"/>
+      </a:lnRef>
+      <a:fillRef idx="0">
+        <a:scrgbClr r="0" g="0" b="0"/>
+      </a:fillRef>
+      <a:effectRef idx="0">
+        <a:scrgbClr r="0" g="0" b="0"/>
+      </a:effectRef>
+      <a:fontRef idx="minor"/>
+    </dgm:style>
+  </dgm:styleLbl>
+</dgm:styleDef>
+</file>
+
 <file path=ppt/slideLayouts/slideLayout1.xml><?xml version="1.0" encoding="utf-8"?>
 <p:sldLayout xmlns:a="http://schemas.openxmlformats.org/drawingml/2006/main" xmlns:r="http://schemas.openxmlformats.org/officeDocument/2006/relationships" xmlns:p="http://schemas.openxmlformats.org/presentationml/2006/main" showMasterSp="0" type="title" preserve="1">
   <p:cSld name="Title Slide">
@@ -357,7 +3192,7 @@
           <a:p>
             <a:fld id="{9184DA70-C731-4C70-880D-CCD4705E623C}" type="datetime1">
               <a:rPr lang="en-US" smtClean="0"/>
-              <a:t>3/18/2021</a:t>
+              <a:t>3/19/2021</a:t>
             </a:fld>
             <a:endParaRPr lang="en-US" dirty="0"/>
           </a:p>
@@ -545,7 +3380,7 @@
           <a:p>
             <a:fld id="{B612A279-0833-481D-8C56-F67FD0AC6C50}" type="datetime1">
               <a:rPr lang="en-US" smtClean="0"/>
-              <a:t>3/18/2021</a:t>
+              <a:t>3/19/2021</a:t>
             </a:fld>
             <a:endParaRPr lang="en-US" dirty="0"/>
           </a:p>
@@ -787,7 +3622,7 @@
           <a:p>
             <a:fld id="{6587DA83-5663-4C9C-B9AA-0B40A3DAFF81}" type="datetime1">
               <a:rPr lang="en-US" smtClean="0"/>
-              <a:t>3/18/2021</a:t>
+              <a:t>3/19/2021</a:t>
             </a:fld>
             <a:endParaRPr lang="en-US" dirty="0"/>
           </a:p>
@@ -975,7 +3810,7 @@
           <a:p>
             <a:fld id="{4BE1D723-8F53-4F53-90B0-1982A396982E}" type="datetime1">
               <a:rPr lang="en-US" smtClean="0"/>
-              <a:t>3/18/2021</a:t>
+              <a:t>3/19/2021</a:t>
             </a:fld>
             <a:endParaRPr lang="en-US" dirty="0"/>
           </a:p>
@@ -1348,7 +4183,7 @@
           <a:p>
             <a:fld id="{97669AF7-7BEB-44E4-9852-375E34362B5B}" type="datetime1">
               <a:rPr lang="en-US" smtClean="0"/>
-              <a:t>3/18/2021</a:t>
+              <a:t>3/19/2021</a:t>
             </a:fld>
             <a:endParaRPr lang="en-US" dirty="0"/>
           </a:p>
@@ -1603,7 +4438,7 @@
           <a:p>
             <a:fld id="{BAAAC38D-0552-4C82-B593-E6124DFADBE2}" type="datetime1">
               <a:rPr lang="en-US" smtClean="0"/>
-              <a:t>3/18/2021</a:t>
+              <a:t>3/19/2021</a:t>
             </a:fld>
             <a:endParaRPr lang="en-US" dirty="0"/>
           </a:p>
@@ -2000,7 +4835,7 @@
           <a:p>
             <a:fld id="{D9DF0F1C-5577-4ACB-BB62-DF8F3C494C7E}" type="datetime1">
               <a:rPr lang="en-US" smtClean="0"/>
-              <a:t>3/18/2021</a:t>
+              <a:t>3/19/2021</a:t>
             </a:fld>
             <a:endParaRPr lang="en-US" dirty="0"/>
           </a:p>
@@ -2136,7 +4971,7 @@
           <a:p>
             <a:fld id="{1775B394-D9F9-4F0C-B15D-605F45CB9E9F}" type="datetime1">
               <a:rPr lang="en-US" smtClean="0"/>
-              <a:t>3/18/2021</a:t>
+              <a:t>3/19/2021</a:t>
             </a:fld>
             <a:endParaRPr lang="en-US" dirty="0"/>
           </a:p>
@@ -2293,7 +5128,7 @@
           <a:p>
             <a:fld id="{39667345-2558-425A-8533-9BFDBCE15005}" type="datetime1">
               <a:rPr lang="en-US" smtClean="0"/>
-              <a:t>3/18/2021</a:t>
+              <a:t>3/19/2021</a:t>
             </a:fld>
             <a:endParaRPr lang="en-US" dirty="0"/>
           </a:p>
@@ -2622,7 +5457,7 @@
           <a:p>
             <a:fld id="{92BEA474-078D-4E9B-9B14-09A87B19DC46}" type="datetime1">
               <a:rPr lang="en-US" smtClean="0"/>
-              <a:t>3/18/2021</a:t>
+              <a:t>3/19/2021</a:t>
             </a:fld>
             <a:endParaRPr lang="en-US" dirty="0"/>
           </a:p>
@@ -2972,7 +5807,7 @@
           <a:p>
             <a:fld id="{4907D986-8816-4272-A432-0437A28A9828}" type="datetime1">
               <a:rPr lang="en-US" smtClean="0"/>
-              <a:t>3/18/2021</a:t>
+              <a:t>3/19/2021</a:t>
             </a:fld>
             <a:endParaRPr lang="en-US" dirty="0"/>
           </a:p>
@@ -3233,7 +6068,7 @@
           <a:p>
             <a:fld id="{62D6E202-B606-4609-B914-27C9371A1F6D}" type="datetime1">
               <a:rPr lang="en-US" smtClean="0"/>
-              <a:t>3/18/2021</a:t>
+              <a:t>3/19/2021</a:t>
             </a:fld>
             <a:endParaRPr lang="en-US" dirty="0"/>
           </a:p>
@@ -3854,7 +6689,7 @@
           <a:p>
             <a:r>
               <a:rPr lang="en-US" sz="8000" dirty="0"/>
-              <a:t>Title Lorem Ipsum</a:t>
+              <a:t>Marketplace Application</a:t>
             </a:r>
           </a:p>
         </p:txBody>
@@ -3896,7 +6731,7 @@
                   </a:schemeClr>
                 </a:solidFill>
               </a:rPr>
-              <a:t>Sit Dolor Amet</a:t>
+              <a:t>Haden Liu</a:t>
             </a:r>
           </a:p>
         </p:txBody>
@@ -4004,17 +6839,9 @@
 </p:sld>
 </file>
 
-<file path=ppt/slides/slide2.xml><?xml version="1.0" encoding="utf-8"?>
+<file path=ppt/slides/slide10.xml><?xml version="1.0" encoding="utf-8"?>
 <p:sld xmlns:a="http://schemas.openxmlformats.org/drawingml/2006/main" xmlns:r="http://schemas.openxmlformats.org/officeDocument/2006/relationships" xmlns:p="http://schemas.openxmlformats.org/presentationml/2006/main">
   <p:cSld>
-    <p:bg>
-      <p:bgPr>
-        <a:solidFill>
-          <a:schemeClr val="bg1"/>
-        </a:solidFill>
-        <a:effectLst/>
-      </p:bgPr>
-    </p:bg>
     <p:spTree>
       <p:nvGrpSpPr>
         <p:cNvPr id="1" name=""/>
@@ -4031,73 +6858,10 @@
       </p:grpSpPr>
       <p:sp>
         <p:nvSpPr>
-          <p:cNvPr id="47" name="Rectangle 46">
-            <a:extLst>
-              <a:ext uri="{FF2B5EF4-FFF2-40B4-BE49-F238E27FC236}">
-                <a16:creationId xmlns:a16="http://schemas.microsoft.com/office/drawing/2014/main" id="{FBDCECDC-EEE3-4128-AA5E-82A8C08796E8}"/>
-              </a:ext>
-              <a:ext uri="{C183D7F6-B498-43B3-948B-1728B52AA6E4}">
-                <adec:decorative xmlns:adec="http://schemas.microsoft.com/office/drawing/2017/decorative" val="1"/>
-              </a:ext>
-            </a:extLst>
-          </p:cNvPr>
-          <p:cNvSpPr>
-            <a:spLocks noGrp="1" noRot="1" noChangeAspect="1" noMove="1" noResize="1" noEditPoints="1" noAdjustHandles="1" noChangeArrowheads="1" noChangeShapeType="1" noTextEdit="1"/>
-          </p:cNvSpPr>
-          <p:nvPr>
-            <p:extLst>
-              <p:ext uri="{386F3935-93C4-4BCD-93E2-E3B085C9AB24}">
-                <p16:designElem xmlns:p16="http://schemas.microsoft.com/office/powerpoint/2015/main" val="1"/>
-              </p:ext>
-            </p:extLst>
-          </p:nvPr>
-        </p:nvSpPr>
-        <p:spPr>
-          <a:xfrm>
-            <a:off x="1507" y="0"/>
-            <a:ext cx="12192000" cy="6858000"/>
-          </a:xfrm>
-          <a:prstGeom prst="rect">
-            <a:avLst/>
-          </a:prstGeom>
-          <a:solidFill>
-            <a:schemeClr val="accent1"/>
-          </a:solidFill>
-          <a:ln>
-            <a:noFill/>
-          </a:ln>
-        </p:spPr>
-        <p:style>
-          <a:lnRef idx="2">
-            <a:schemeClr val="accent1">
-              <a:shade val="50000"/>
-            </a:schemeClr>
-          </a:lnRef>
-          <a:fillRef idx="1">
-            <a:schemeClr val="accent1"/>
-          </a:fillRef>
-          <a:effectRef idx="0">
-            <a:schemeClr val="accent1"/>
-          </a:effectRef>
-          <a:fontRef idx="minor">
-            <a:schemeClr val="lt1"/>
-          </a:fontRef>
-        </p:style>
-        <p:txBody>
-          <a:bodyPr rtlCol="0" anchor="ctr"/>
-          <a:lstStyle/>
-          <a:p>
-            <a:pPr algn="ctr"/>
-            <a:endParaRPr lang="en-US"/>
-          </a:p>
-        </p:txBody>
-      </p:sp>
-      <p:sp>
-        <p:nvSpPr>
           <p:cNvPr id="2" name="Title 1">
             <a:extLst>
               <a:ext uri="{FF2B5EF4-FFF2-40B4-BE49-F238E27FC236}">
-                <a16:creationId xmlns:a16="http://schemas.microsoft.com/office/drawing/2014/main" id="{9AB2EA78-AEB3-469B-9025-3B17201A457B}"/>
+                <a16:creationId xmlns:a16="http://schemas.microsoft.com/office/drawing/2014/main" id="{EA1DB009-AB22-4823-87ED-B4FE29B079FD}"/>
               </a:ext>
             </a:extLst>
           </p:cNvPr>
@@ -4105,94 +6869,27 @@
             <a:spLocks noGrp="1"/>
           </p:cNvSpPr>
           <p:nvPr>
-            <p:ph type="ctrTitle"/>
-          </p:nvPr>
-        </p:nvSpPr>
-        <p:spPr>
-          <a:xfrm>
-            <a:off x="1097280" y="758952"/>
-            <a:ext cx="10058400" cy="3892168"/>
-          </a:xfrm>
-        </p:spPr>
+            <p:ph type="title"/>
+          </p:nvPr>
+        </p:nvSpPr>
+        <p:spPr/>
         <p:txBody>
-          <a:bodyPr anchor="ctr">
-            <a:normAutofit/>
-          </a:bodyPr>
+          <a:bodyPr/>
           <a:lstStyle/>
           <a:p>
-            <a:pPr lvl="0"/>
-            <a:r>
-              <a:rPr lang="en-US" sz="4800" i="1" dirty="0">
-                <a:solidFill>
-                  <a:srgbClr val="FFFFFF"/>
-                </a:solidFill>
-              </a:rPr>
-              <a:t>Your best quote that reflects your approach… “It’s one small step for man, one giant leap for mankind.”</a:t>
+            <a:r>
+              <a:rPr lang="en-AU" dirty="0"/>
+              <a:t>Future Development</a:t>
             </a:r>
           </a:p>
         </p:txBody>
       </p:sp>
       <p:sp>
         <p:nvSpPr>
-          <p:cNvPr id="49" name="Rectangle 48">
+          <p:cNvPr id="3" name="Content Placeholder 2">
             <a:extLst>
               <a:ext uri="{FF2B5EF4-FFF2-40B4-BE49-F238E27FC236}">
-                <a16:creationId xmlns:a16="http://schemas.microsoft.com/office/drawing/2014/main" id="{4260EDE0-989C-4E16-AF94-F652294D828E}"/>
-              </a:ext>
-              <a:ext uri="{C183D7F6-B498-43B3-948B-1728B52AA6E4}">
-                <adec:decorative xmlns:adec="http://schemas.microsoft.com/office/drawing/2017/decorative" val="1"/>
-              </a:ext>
-            </a:extLst>
-          </p:cNvPr>
-          <p:cNvSpPr>
-            <a:spLocks noGrp="1" noRot="1" noChangeAspect="1" noMove="1" noResize="1" noEditPoints="1" noAdjustHandles="1" noChangeArrowheads="1" noChangeShapeType="1" noTextEdit="1"/>
-          </p:cNvSpPr>
-          <p:nvPr>
-            <p:extLst>
-              <p:ext uri="{386F3935-93C4-4BCD-93E2-E3B085C9AB24}">
-                <p16:designElem xmlns:p16="http://schemas.microsoft.com/office/powerpoint/2015/main" val="1"/>
-              </p:ext>
-            </p:extLst>
-          </p:nvPr>
-        </p:nvSpPr>
-        <p:spPr bwMode="white">
-          <a:xfrm>
-            <a:off x="1507" y="4953000"/>
-            <a:ext cx="12188952" cy="1905000"/>
-          </a:xfrm>
-          <a:prstGeom prst="rect">
-            <a:avLst/>
-          </a:prstGeom>
-          <a:solidFill>
-            <a:srgbClr val="262626"/>
-          </a:solidFill>
-          <a:ln>
-            <a:noFill/>
-          </a:ln>
-        </p:spPr>
-        <p:style>
-          <a:lnRef idx="2">
-            <a:schemeClr val="accent1">
-              <a:shade val="50000"/>
-            </a:schemeClr>
-          </a:lnRef>
-          <a:fillRef idx="1">
-            <a:schemeClr val="accent1"/>
-          </a:fillRef>
-          <a:effectRef idx="0">
-            <a:schemeClr val="accent1"/>
-          </a:effectRef>
-          <a:fontRef idx="minor">
-            <a:schemeClr val="lt1"/>
-          </a:fontRef>
-        </p:style>
-      </p:sp>
-      <p:sp>
-        <p:nvSpPr>
-          <p:cNvPr id="3" name="Subtitle 2">
-            <a:extLst>
-              <a:ext uri="{FF2B5EF4-FFF2-40B4-BE49-F238E27FC236}">
-                <a16:creationId xmlns:a16="http://schemas.microsoft.com/office/drawing/2014/main" id="{255E1F2F-E259-4EA8-9FFD-3A10AF541859}"/>
+                <a16:creationId xmlns:a16="http://schemas.microsoft.com/office/drawing/2014/main" id="{37423DDD-8272-4CD1-A34F-AB181789A122}"/>
               </a:ext>
             </a:extLst>
           </p:cNvPr>
@@ -4200,36 +6897,913 @@
             <a:spLocks noGrp="1"/>
           </p:cNvSpPr>
           <p:nvPr>
-            <p:ph type="subTitle" idx="1"/>
+            <p:ph idx="1"/>
+          </p:nvPr>
+        </p:nvSpPr>
+        <p:spPr/>
+        <p:txBody>
+          <a:bodyPr/>
+          <a:lstStyle/>
+          <a:p>
+            <a:pPr>
+              <a:buFont typeface="Arial" panose="020B0604020202020204" pitchFamily="34" charset="0"/>
+              <a:buChar char="•"/>
+            </a:pPr>
+            <a:r>
+              <a:rPr lang="en-AU" dirty="0"/>
+              <a:t> Online image storage</a:t>
+            </a:r>
+          </a:p>
+          <a:p>
+            <a:pPr>
+              <a:buFont typeface="Arial" panose="020B0604020202020204" pitchFamily="34" charset="0"/>
+              <a:buChar char="•"/>
+            </a:pPr>
+            <a:r>
+              <a:rPr lang="en-AU" dirty="0"/>
+              <a:t> Payment management with Stripe</a:t>
+            </a:r>
+          </a:p>
+          <a:p>
+            <a:pPr>
+              <a:buFont typeface="Arial" panose="020B0604020202020204" pitchFamily="34" charset="0"/>
+              <a:buChar char="•"/>
+            </a:pPr>
+            <a:r>
+              <a:rPr lang="en-AU" dirty="0"/>
+              <a:t> Deployed: </a:t>
+            </a:r>
+            <a:r>
+              <a:rPr lang="en-AU" dirty="0">
+                <a:hlinkClick r:id="rId2"/>
+              </a:rPr>
+              <a:t>https://</a:t>
+            </a:r>
+            <a:r>
+              <a:rPr lang="en-AU" dirty="0" err="1">
+                <a:hlinkClick r:id="rId2"/>
+              </a:rPr>
+              <a:t>hadendemo-2021.herokuapp.com</a:t>
+            </a:r>
+            <a:r>
+              <a:rPr lang="en-AU" dirty="0">
+                <a:hlinkClick r:id="rId2"/>
+              </a:rPr>
+              <a:t>/</a:t>
+            </a:r>
+            <a:endParaRPr lang="en-AU" dirty="0"/>
+          </a:p>
+          <a:p>
+            <a:pPr>
+              <a:buFont typeface="Arial" panose="020B0604020202020204" pitchFamily="34" charset="0"/>
+              <a:buChar char="•"/>
+            </a:pPr>
+            <a:endParaRPr lang="en-AU" dirty="0"/>
+          </a:p>
+        </p:txBody>
+      </p:sp>
+    </p:spTree>
+    <p:extLst>
+      <p:ext uri="{BB962C8B-B14F-4D97-AF65-F5344CB8AC3E}">
+        <p14:creationId xmlns:p14="http://schemas.microsoft.com/office/powerpoint/2010/main" val="4148530092"/>
+      </p:ext>
+    </p:extLst>
+  </p:cSld>
+  <p:clrMapOvr>
+    <a:masterClrMapping/>
+  </p:clrMapOvr>
+</p:sld>
+</file>
+
+<file path=ppt/slides/slide2.xml><?xml version="1.0" encoding="utf-8"?>
+<p:sld xmlns:a="http://schemas.openxmlformats.org/drawingml/2006/main" xmlns:r="http://schemas.openxmlformats.org/officeDocument/2006/relationships" xmlns:p="http://schemas.openxmlformats.org/presentationml/2006/main">
+  <p:cSld>
+    <p:spTree>
+      <p:nvGrpSpPr>
+        <p:cNvPr id="1" name=""/>
+        <p:cNvGrpSpPr/>
+        <p:nvPr/>
+      </p:nvGrpSpPr>
+      <p:grpSpPr>
+        <a:xfrm>
+          <a:off x="0" y="0"/>
+          <a:ext cx="0" cy="0"/>
+          <a:chOff x="0" y="0"/>
+          <a:chExt cx="0" cy="0"/>
+        </a:xfrm>
+      </p:grpSpPr>
+      <p:sp>
+        <p:nvSpPr>
+          <p:cNvPr id="2" name="Title 1">
+            <a:extLst>
+              <a:ext uri="{FF2B5EF4-FFF2-40B4-BE49-F238E27FC236}">
+                <a16:creationId xmlns:a16="http://schemas.microsoft.com/office/drawing/2014/main" id="{B2CEE924-167B-4C89-A097-1280348D1728}"/>
+              </a:ext>
+            </a:extLst>
+          </p:cNvPr>
+          <p:cNvSpPr>
+            <a:spLocks noGrp="1"/>
+          </p:cNvSpPr>
+          <p:nvPr>
+            <p:ph type="title"/>
+          </p:nvPr>
+        </p:nvSpPr>
+        <p:spPr/>
+        <p:txBody>
+          <a:bodyPr/>
+          <a:lstStyle/>
+          <a:p>
+            <a:r>
+              <a:rPr lang="en-AU" dirty="0"/>
+              <a:t>Development Background</a:t>
+            </a:r>
+          </a:p>
+        </p:txBody>
+      </p:sp>
+      <p:sp>
+        <p:nvSpPr>
+          <p:cNvPr id="3" name="Content Placeholder 2">
+            <a:extLst>
+              <a:ext uri="{FF2B5EF4-FFF2-40B4-BE49-F238E27FC236}">
+                <a16:creationId xmlns:a16="http://schemas.microsoft.com/office/drawing/2014/main" id="{0002BC4B-2DCE-49F7-A23E-CBA2A57078FF}"/>
+              </a:ext>
+            </a:extLst>
+          </p:cNvPr>
+          <p:cNvSpPr>
+            <a:spLocks noGrp="1"/>
+          </p:cNvSpPr>
+          <p:nvPr>
+            <p:ph idx="1"/>
           </p:nvPr>
         </p:nvSpPr>
         <p:spPr>
           <a:xfrm>
-            <a:off x="1100051" y="5225240"/>
-            <a:ext cx="10058400" cy="1143000"/>
+            <a:off x="1097280" y="2108201"/>
+            <a:ext cx="6889609" cy="3760891"/>
           </a:xfrm>
         </p:spPr>
         <p:txBody>
-          <a:bodyPr>
+          <a:bodyPr/>
+          <a:lstStyle/>
+          <a:p>
+            <a:pPr>
+              <a:buFont typeface="Arial" panose="020B0604020202020204" pitchFamily="34" charset="0"/>
+              <a:buChar char="•"/>
+            </a:pPr>
+            <a:r>
+              <a:rPr lang="en-AU" dirty="0"/>
+              <a:t>  Develop an eBay like 2-sided marketplace application</a:t>
+            </a:r>
+          </a:p>
+          <a:p>
+            <a:pPr>
+              <a:buFont typeface="Arial" panose="020B0604020202020204" pitchFamily="34" charset="0"/>
+              <a:buChar char="•"/>
+            </a:pPr>
+            <a:r>
+              <a:rPr lang="en-AU" dirty="0"/>
+              <a:t>  Allow customers to exchange spare items in the marketplace</a:t>
+            </a:r>
+          </a:p>
+          <a:p>
+            <a:pPr>
+              <a:buFont typeface="Arial" panose="020B0604020202020204" pitchFamily="34" charset="0"/>
+              <a:buChar char="•"/>
+            </a:pPr>
+            <a:r>
+              <a:rPr lang="en-AU" dirty="0"/>
+              <a:t>  Allow safe and fast access for users</a:t>
+            </a:r>
+          </a:p>
+        </p:txBody>
+      </p:sp>
+    </p:spTree>
+    <p:extLst>
+      <p:ext uri="{BB962C8B-B14F-4D97-AF65-F5344CB8AC3E}">
+        <p14:creationId xmlns:p14="http://schemas.microsoft.com/office/powerpoint/2010/main" val="1540228632"/>
+      </p:ext>
+    </p:extLst>
+  </p:cSld>
+  <p:clrMapOvr>
+    <a:masterClrMapping/>
+  </p:clrMapOvr>
+</p:sld>
+</file>
+
+<file path=ppt/slides/slide3.xml><?xml version="1.0" encoding="utf-8"?>
+<p:sld xmlns:a="http://schemas.openxmlformats.org/drawingml/2006/main" xmlns:r="http://schemas.openxmlformats.org/officeDocument/2006/relationships" xmlns:p="http://schemas.openxmlformats.org/presentationml/2006/main">
+  <p:cSld>
+    <p:spTree>
+      <p:nvGrpSpPr>
+        <p:cNvPr id="1" name=""/>
+        <p:cNvGrpSpPr/>
+        <p:nvPr/>
+      </p:nvGrpSpPr>
+      <p:grpSpPr>
+        <a:xfrm>
+          <a:off x="0" y="0"/>
+          <a:ext cx="0" cy="0"/>
+          <a:chOff x="0" y="0"/>
+          <a:chExt cx="0" cy="0"/>
+        </a:xfrm>
+      </p:grpSpPr>
+      <p:sp>
+        <p:nvSpPr>
+          <p:cNvPr id="2" name="Title 1">
+            <a:extLst>
+              <a:ext uri="{FF2B5EF4-FFF2-40B4-BE49-F238E27FC236}">
+                <a16:creationId xmlns:a16="http://schemas.microsoft.com/office/drawing/2014/main" id="{4FBA26E0-73B5-4396-B40F-09A2C275206F}"/>
+              </a:ext>
+            </a:extLst>
+          </p:cNvPr>
+          <p:cNvSpPr>
+            <a:spLocks noGrp="1"/>
+          </p:cNvSpPr>
+          <p:nvPr>
+            <p:ph type="title"/>
+          </p:nvPr>
+        </p:nvSpPr>
+        <p:spPr>
+          <a:xfrm>
+            <a:off x="1097280" y="286603"/>
+            <a:ext cx="10058400" cy="1450757"/>
+          </a:xfrm>
+        </p:spPr>
+        <p:txBody>
+          <a:bodyPr anchor="b">
             <a:normAutofit/>
           </a:bodyPr>
           <a:lstStyle/>
           <a:p>
             <a:r>
-              <a:rPr lang="en-US">
-                <a:solidFill>
-                  <a:srgbClr val="FFFFFF"/>
-                </a:solidFill>
-              </a:rPr>
-              <a:t>- Neil Armstrong</a:t>
+              <a:rPr lang="en-AU" dirty="0"/>
+              <a:t>Sitemap</a:t>
             </a:r>
           </a:p>
         </p:txBody>
       </p:sp>
+      <p:pic>
+        <p:nvPicPr>
+          <p:cNvPr id="5" name="Picture 4">
+            <a:extLst>
+              <a:ext uri="{FF2B5EF4-FFF2-40B4-BE49-F238E27FC236}">
+                <a16:creationId xmlns:a16="http://schemas.microsoft.com/office/drawing/2014/main" id="{E056C190-DF0C-4F80-BDB7-09CD09831301}"/>
+              </a:ext>
+            </a:extLst>
+          </p:cNvPr>
+          <p:cNvPicPr>
+            <a:picLocks noChangeAspect="1"/>
+          </p:cNvPicPr>
+          <p:nvPr/>
+        </p:nvPicPr>
+        <p:blipFill>
+          <a:blip r:embed="rId2"/>
+          <a:stretch>
+            <a:fillRect/>
+          </a:stretch>
+        </p:blipFill>
+        <p:spPr>
+          <a:xfrm>
+            <a:off x="2644173" y="2108201"/>
+            <a:ext cx="6964613" cy="3760891"/>
+          </a:xfrm>
+          <a:prstGeom prst="rect">
+            <a:avLst/>
+          </a:prstGeom>
+          <a:noFill/>
+        </p:spPr>
+      </p:pic>
     </p:spTree>
     <p:extLst>
       <p:ext uri="{BB962C8B-B14F-4D97-AF65-F5344CB8AC3E}">
-        <p14:creationId xmlns:p14="http://schemas.microsoft.com/office/powerpoint/2010/main" val="191714609"/>
+        <p14:creationId xmlns:p14="http://schemas.microsoft.com/office/powerpoint/2010/main" val="2820901302"/>
+      </p:ext>
+    </p:extLst>
+  </p:cSld>
+  <p:clrMapOvr>
+    <a:masterClrMapping/>
+  </p:clrMapOvr>
+</p:sld>
+</file>
+
+<file path=ppt/slides/slide4.xml><?xml version="1.0" encoding="utf-8"?>
+<p:sld xmlns:a="http://schemas.openxmlformats.org/drawingml/2006/main" xmlns:r="http://schemas.openxmlformats.org/officeDocument/2006/relationships" xmlns:p="http://schemas.openxmlformats.org/presentationml/2006/main">
+  <p:cSld>
+    <p:spTree>
+      <p:nvGrpSpPr>
+        <p:cNvPr id="1" name=""/>
+        <p:cNvGrpSpPr/>
+        <p:nvPr/>
+      </p:nvGrpSpPr>
+      <p:grpSpPr>
+        <a:xfrm>
+          <a:off x="0" y="0"/>
+          <a:ext cx="0" cy="0"/>
+          <a:chOff x="0" y="0"/>
+          <a:chExt cx="0" cy="0"/>
+        </a:xfrm>
+      </p:grpSpPr>
+      <p:sp>
+        <p:nvSpPr>
+          <p:cNvPr id="2" name="Title 1">
+            <a:extLst>
+              <a:ext uri="{FF2B5EF4-FFF2-40B4-BE49-F238E27FC236}">
+                <a16:creationId xmlns:a16="http://schemas.microsoft.com/office/drawing/2014/main" id="{2A569EFB-6FE4-49A8-81DD-757588C0E6FD}"/>
+              </a:ext>
+            </a:extLst>
+          </p:cNvPr>
+          <p:cNvSpPr>
+            <a:spLocks noGrp="1"/>
+          </p:cNvSpPr>
+          <p:nvPr>
+            <p:ph type="title"/>
+          </p:nvPr>
+        </p:nvSpPr>
+        <p:spPr>
+          <a:xfrm>
+            <a:off x="1097280" y="286603"/>
+            <a:ext cx="10058400" cy="1450757"/>
+          </a:xfrm>
+        </p:spPr>
+        <p:txBody>
+          <a:bodyPr anchor="b">
+            <a:normAutofit/>
+          </a:bodyPr>
+          <a:lstStyle/>
+          <a:p>
+            <a:r>
+              <a:rPr lang="en-AU" dirty="0"/>
+              <a:t>Database Design</a:t>
+            </a:r>
+          </a:p>
+        </p:txBody>
+      </p:sp>
+      <p:pic>
+        <p:nvPicPr>
+          <p:cNvPr id="5" name="Picture 4">
+            <a:extLst>
+              <a:ext uri="{FF2B5EF4-FFF2-40B4-BE49-F238E27FC236}">
+                <a16:creationId xmlns:a16="http://schemas.microsoft.com/office/drawing/2014/main" id="{C1D7F7D1-C6E7-430E-B594-AEBE30148F64}"/>
+              </a:ext>
+            </a:extLst>
+          </p:cNvPr>
+          <p:cNvPicPr>
+            <a:picLocks noChangeAspect="1"/>
+          </p:cNvPicPr>
+          <p:nvPr/>
+        </p:nvPicPr>
+        <p:blipFill>
+          <a:blip r:embed="rId2"/>
+          <a:stretch>
+            <a:fillRect/>
+          </a:stretch>
+        </p:blipFill>
+        <p:spPr>
+          <a:xfrm>
+            <a:off x="3005408" y="2108201"/>
+            <a:ext cx="6242144" cy="3760891"/>
+          </a:xfrm>
+          <a:prstGeom prst="rect">
+            <a:avLst/>
+          </a:prstGeom>
+          <a:noFill/>
+        </p:spPr>
+      </p:pic>
+    </p:spTree>
+    <p:extLst>
+      <p:ext uri="{BB962C8B-B14F-4D97-AF65-F5344CB8AC3E}">
+        <p14:creationId xmlns:p14="http://schemas.microsoft.com/office/powerpoint/2010/main" val="4072212292"/>
+      </p:ext>
+    </p:extLst>
+  </p:cSld>
+  <p:clrMapOvr>
+    <a:masterClrMapping/>
+  </p:clrMapOvr>
+</p:sld>
+</file>
+
+<file path=ppt/slides/slide5.xml><?xml version="1.0" encoding="utf-8"?>
+<p:sld xmlns:a="http://schemas.openxmlformats.org/drawingml/2006/main" xmlns:r="http://schemas.openxmlformats.org/officeDocument/2006/relationships" xmlns:p="http://schemas.openxmlformats.org/presentationml/2006/main">
+  <p:cSld>
+    <p:spTree>
+      <p:nvGrpSpPr>
+        <p:cNvPr id="1" name=""/>
+        <p:cNvGrpSpPr/>
+        <p:nvPr/>
+      </p:nvGrpSpPr>
+      <p:grpSpPr>
+        <a:xfrm>
+          <a:off x="0" y="0"/>
+          <a:ext cx="0" cy="0"/>
+          <a:chOff x="0" y="0"/>
+          <a:chExt cx="0" cy="0"/>
+        </a:xfrm>
+      </p:grpSpPr>
+      <p:sp>
+        <p:nvSpPr>
+          <p:cNvPr id="2" name="Title 1">
+            <a:extLst>
+              <a:ext uri="{FF2B5EF4-FFF2-40B4-BE49-F238E27FC236}">
+                <a16:creationId xmlns:a16="http://schemas.microsoft.com/office/drawing/2014/main" id="{852B3EA3-C94A-4FD9-961B-EFBF44DD6769}"/>
+              </a:ext>
+            </a:extLst>
+          </p:cNvPr>
+          <p:cNvSpPr>
+            <a:spLocks noGrp="1"/>
+          </p:cNvSpPr>
+          <p:nvPr>
+            <p:ph type="title"/>
+          </p:nvPr>
+        </p:nvSpPr>
+        <p:spPr/>
+        <p:txBody>
+          <a:bodyPr/>
+          <a:lstStyle/>
+          <a:p>
+            <a:r>
+              <a:rPr lang="en-AU" dirty="0"/>
+              <a:t>Wireframe Design</a:t>
+            </a:r>
+          </a:p>
+        </p:txBody>
+      </p:sp>
+      <p:pic>
+        <p:nvPicPr>
+          <p:cNvPr id="5" name="Content Placeholder 4">
+            <a:extLst>
+              <a:ext uri="{FF2B5EF4-FFF2-40B4-BE49-F238E27FC236}">
+                <a16:creationId xmlns:a16="http://schemas.microsoft.com/office/drawing/2014/main" id="{2023CD33-16EE-4CF7-802D-53789A8EF904}"/>
+              </a:ext>
+            </a:extLst>
+          </p:cNvPr>
+          <p:cNvPicPr>
+            <a:picLocks noGrp="1" noChangeAspect="1"/>
+          </p:cNvPicPr>
+          <p:nvPr>
+            <p:ph idx="1"/>
+          </p:nvPr>
+        </p:nvPicPr>
+        <p:blipFill>
+          <a:blip r:embed="rId2"/>
+          <a:stretch>
+            <a:fillRect/>
+          </a:stretch>
+        </p:blipFill>
+        <p:spPr>
+          <a:xfrm>
+            <a:off x="2510988" y="2281382"/>
+            <a:ext cx="7034794" cy="3530600"/>
+          </a:xfrm>
+        </p:spPr>
+      </p:pic>
+    </p:spTree>
+    <p:extLst>
+      <p:ext uri="{BB962C8B-B14F-4D97-AF65-F5344CB8AC3E}">
+        <p14:creationId xmlns:p14="http://schemas.microsoft.com/office/powerpoint/2010/main" val="1379024387"/>
+      </p:ext>
+    </p:extLst>
+  </p:cSld>
+  <p:clrMapOvr>
+    <a:masterClrMapping/>
+  </p:clrMapOvr>
+</p:sld>
+</file>
+
+<file path=ppt/slides/slide6.xml><?xml version="1.0" encoding="utf-8"?>
+<p:sld xmlns:a="http://schemas.openxmlformats.org/drawingml/2006/main" xmlns:r="http://schemas.openxmlformats.org/officeDocument/2006/relationships" xmlns:p="http://schemas.openxmlformats.org/presentationml/2006/main">
+  <p:cSld>
+    <p:spTree>
+      <p:nvGrpSpPr>
+        <p:cNvPr id="1" name=""/>
+        <p:cNvGrpSpPr/>
+        <p:nvPr/>
+      </p:nvGrpSpPr>
+      <p:grpSpPr>
+        <a:xfrm>
+          <a:off x="0" y="0"/>
+          <a:ext cx="0" cy="0"/>
+          <a:chOff x="0" y="0"/>
+          <a:chExt cx="0" cy="0"/>
+        </a:xfrm>
+      </p:grpSpPr>
+      <p:sp>
+        <p:nvSpPr>
+          <p:cNvPr id="2" name="Title 1">
+            <a:extLst>
+              <a:ext uri="{FF2B5EF4-FFF2-40B4-BE49-F238E27FC236}">
+                <a16:creationId xmlns:a16="http://schemas.microsoft.com/office/drawing/2014/main" id="{F51E34B8-DA0A-4431-AC62-2CCF9395900D}"/>
+              </a:ext>
+            </a:extLst>
+          </p:cNvPr>
+          <p:cNvSpPr>
+            <a:spLocks noGrp="1"/>
+          </p:cNvSpPr>
+          <p:nvPr>
+            <p:ph type="title"/>
+          </p:nvPr>
+        </p:nvSpPr>
+        <p:spPr>
+          <a:xfrm>
+            <a:off x="1097280" y="286603"/>
+            <a:ext cx="10058400" cy="1450757"/>
+          </a:xfrm>
+        </p:spPr>
+        <p:txBody>
+          <a:bodyPr anchor="b">
+            <a:normAutofit/>
+          </a:bodyPr>
+          <a:lstStyle/>
+          <a:p>
+            <a:r>
+              <a:rPr lang="en-AU" dirty="0"/>
+              <a:t>Techniques</a:t>
+            </a:r>
+          </a:p>
+        </p:txBody>
+      </p:sp>
+      <p:graphicFrame>
+        <p:nvGraphicFramePr>
+          <p:cNvPr id="5" name="Content Placeholder 2">
+            <a:extLst>
+              <a:ext uri="{FF2B5EF4-FFF2-40B4-BE49-F238E27FC236}">
+                <a16:creationId xmlns:a16="http://schemas.microsoft.com/office/drawing/2014/main" id="{4EA044C0-6091-4CF5-AE0B-10273A92A0BD}"/>
+              </a:ext>
+            </a:extLst>
+          </p:cNvPr>
+          <p:cNvGraphicFramePr>
+            <a:graphicFrameLocks noGrp="1"/>
+          </p:cNvGraphicFramePr>
+          <p:nvPr>
+            <p:ph idx="1"/>
+            <p:extLst>
+              <p:ext uri="{D42A27DB-BD31-4B8C-83A1-F6EECF244321}">
+                <p14:modId xmlns:p14="http://schemas.microsoft.com/office/powerpoint/2010/main" val="3678493659"/>
+              </p:ext>
+            </p:extLst>
+          </p:nvPr>
+        </p:nvGraphicFramePr>
+        <p:xfrm>
+          <a:off x="1097280" y="2108201"/>
+          <a:ext cx="10058400" cy="3760891"/>
+        </p:xfrm>
+        <a:graphic>
+          <a:graphicData uri="http://schemas.openxmlformats.org/drawingml/2006/diagram">
+            <dgm:relIds xmlns:dgm="http://schemas.openxmlformats.org/drawingml/2006/diagram" xmlns:r="http://schemas.openxmlformats.org/officeDocument/2006/relationships" r:dm="rId2" r:lo="rId3" r:qs="rId4" r:cs="rId5"/>
+          </a:graphicData>
+        </a:graphic>
+      </p:graphicFrame>
+    </p:spTree>
+    <p:extLst>
+      <p:ext uri="{BB962C8B-B14F-4D97-AF65-F5344CB8AC3E}">
+        <p14:creationId xmlns:p14="http://schemas.microsoft.com/office/powerpoint/2010/main" val="918282078"/>
+      </p:ext>
+    </p:extLst>
+  </p:cSld>
+  <p:clrMapOvr>
+    <a:masterClrMapping/>
+  </p:clrMapOvr>
+</p:sld>
+</file>
+
+<file path=ppt/slides/slide7.xml><?xml version="1.0" encoding="utf-8"?>
+<p:sld xmlns:a="http://schemas.openxmlformats.org/drawingml/2006/main" xmlns:r="http://schemas.openxmlformats.org/officeDocument/2006/relationships" xmlns:p="http://schemas.openxmlformats.org/presentationml/2006/main">
+  <p:cSld>
+    <p:spTree>
+      <p:nvGrpSpPr>
+        <p:cNvPr id="1" name=""/>
+        <p:cNvGrpSpPr/>
+        <p:nvPr/>
+      </p:nvGrpSpPr>
+      <p:grpSpPr>
+        <a:xfrm>
+          <a:off x="0" y="0"/>
+          <a:ext cx="0" cy="0"/>
+          <a:chOff x="0" y="0"/>
+          <a:chExt cx="0" cy="0"/>
+        </a:xfrm>
+      </p:grpSpPr>
+      <p:sp>
+        <p:nvSpPr>
+          <p:cNvPr id="2" name="Title 1">
+            <a:extLst>
+              <a:ext uri="{FF2B5EF4-FFF2-40B4-BE49-F238E27FC236}">
+                <a16:creationId xmlns:a16="http://schemas.microsoft.com/office/drawing/2014/main" id="{164E586C-AB9B-4B48-B0D6-CAF6D54AFB42}"/>
+              </a:ext>
+            </a:extLst>
+          </p:cNvPr>
+          <p:cNvSpPr>
+            <a:spLocks noGrp="1"/>
+          </p:cNvSpPr>
+          <p:nvPr>
+            <p:ph type="title"/>
+          </p:nvPr>
+        </p:nvSpPr>
+        <p:spPr/>
+        <p:txBody>
+          <a:bodyPr/>
+          <a:lstStyle/>
+          <a:p>
+            <a:r>
+              <a:rPr lang="en-AU" dirty="0"/>
+              <a:t>External Services (Gem)</a:t>
+            </a:r>
+          </a:p>
+        </p:txBody>
+      </p:sp>
+      <p:sp>
+        <p:nvSpPr>
+          <p:cNvPr id="3" name="Content Placeholder 2">
+            <a:extLst>
+              <a:ext uri="{FF2B5EF4-FFF2-40B4-BE49-F238E27FC236}">
+                <a16:creationId xmlns:a16="http://schemas.microsoft.com/office/drawing/2014/main" id="{D8573E53-491C-4C05-8E99-C3144189FE75}"/>
+              </a:ext>
+            </a:extLst>
+          </p:cNvPr>
+          <p:cNvSpPr>
+            <a:spLocks noGrp="1"/>
+          </p:cNvSpPr>
+          <p:nvPr>
+            <p:ph idx="1"/>
+          </p:nvPr>
+        </p:nvSpPr>
+        <p:spPr/>
+        <p:txBody>
+          <a:bodyPr/>
+          <a:lstStyle/>
+          <a:p>
+            <a:pPr>
+              <a:buFont typeface="Arial" panose="020B0604020202020204" pitchFamily="34" charset="0"/>
+              <a:buChar char="•"/>
+            </a:pPr>
+            <a:r>
+              <a:rPr lang="en-AU" dirty="0"/>
+              <a:t> Paper Clip - - Upload image</a:t>
+            </a:r>
+          </a:p>
+          <a:p>
+            <a:pPr>
+              <a:buFont typeface="Arial" panose="020B0604020202020204" pitchFamily="34" charset="0"/>
+              <a:buChar char="•"/>
+            </a:pPr>
+            <a:r>
+              <a:rPr lang="en-AU" dirty="0"/>
+              <a:t> Devise – </a:t>
+            </a:r>
+            <a:r>
+              <a:rPr lang="en-AU" b="0" i="0" dirty="0">
+                <a:effectLst/>
+                <a:latin typeface="Google Sans"/>
+              </a:rPr>
+              <a:t>Authentication control</a:t>
+            </a:r>
+          </a:p>
+          <a:p>
+            <a:pPr>
+              <a:buFont typeface="Arial" panose="020B0604020202020204" pitchFamily="34" charset="0"/>
+              <a:buChar char="•"/>
+            </a:pPr>
+            <a:endParaRPr lang="en-AU" dirty="0"/>
+          </a:p>
+        </p:txBody>
+      </p:sp>
+    </p:spTree>
+    <p:extLst>
+      <p:ext uri="{BB962C8B-B14F-4D97-AF65-F5344CB8AC3E}">
+        <p14:creationId xmlns:p14="http://schemas.microsoft.com/office/powerpoint/2010/main" val="3611269384"/>
+      </p:ext>
+    </p:extLst>
+  </p:cSld>
+  <p:clrMapOvr>
+    <a:masterClrMapping/>
+  </p:clrMapOvr>
+</p:sld>
+</file>
+
+<file path=ppt/slides/slide8.xml><?xml version="1.0" encoding="utf-8"?>
+<p:sld xmlns:a="http://schemas.openxmlformats.org/drawingml/2006/main" xmlns:r="http://schemas.openxmlformats.org/officeDocument/2006/relationships" xmlns:p="http://schemas.openxmlformats.org/presentationml/2006/main">
+  <p:cSld>
+    <p:spTree>
+      <p:nvGrpSpPr>
+        <p:cNvPr id="1" name=""/>
+        <p:cNvGrpSpPr/>
+        <p:nvPr/>
+      </p:nvGrpSpPr>
+      <p:grpSpPr>
+        <a:xfrm>
+          <a:off x="0" y="0"/>
+          <a:ext cx="0" cy="0"/>
+          <a:chOff x="0" y="0"/>
+          <a:chExt cx="0" cy="0"/>
+        </a:xfrm>
+      </p:grpSpPr>
+      <p:sp>
+        <p:nvSpPr>
+          <p:cNvPr id="2" name="Title 1">
+            <a:extLst>
+              <a:ext uri="{FF2B5EF4-FFF2-40B4-BE49-F238E27FC236}">
+                <a16:creationId xmlns:a16="http://schemas.microsoft.com/office/drawing/2014/main" id="{B3219696-4AAD-445C-B4AC-F8C5570400DD}"/>
+              </a:ext>
+            </a:extLst>
+          </p:cNvPr>
+          <p:cNvSpPr>
+            <a:spLocks noGrp="1"/>
+          </p:cNvSpPr>
+          <p:nvPr>
+            <p:ph type="title"/>
+          </p:nvPr>
+        </p:nvSpPr>
+        <p:spPr/>
+        <p:txBody>
+          <a:bodyPr/>
+          <a:lstStyle/>
+          <a:p>
+            <a:r>
+              <a:rPr lang="en-AU" dirty="0"/>
+              <a:t>Functions – user sign up</a:t>
+            </a:r>
+          </a:p>
+        </p:txBody>
+      </p:sp>
+      <p:pic>
+        <p:nvPicPr>
+          <p:cNvPr id="5" name="Content Placeholder 4">
+            <a:extLst>
+              <a:ext uri="{FF2B5EF4-FFF2-40B4-BE49-F238E27FC236}">
+                <a16:creationId xmlns:a16="http://schemas.microsoft.com/office/drawing/2014/main" id="{D7329C8E-E7C7-4CBE-887F-7AD22D024152}"/>
+              </a:ext>
+            </a:extLst>
+          </p:cNvPr>
+          <p:cNvPicPr>
+            <a:picLocks noGrp="1" noChangeAspect="1"/>
+          </p:cNvPicPr>
+          <p:nvPr>
+            <p:ph idx="1"/>
+          </p:nvPr>
+        </p:nvPicPr>
+        <p:blipFill>
+          <a:blip r:embed="rId2"/>
+          <a:stretch>
+            <a:fillRect/>
+          </a:stretch>
+        </p:blipFill>
+        <p:spPr>
+          <a:xfrm>
+            <a:off x="5919460" y="2085976"/>
+            <a:ext cx="3088873" cy="3760788"/>
+          </a:xfrm>
+        </p:spPr>
+      </p:pic>
+      <p:pic>
+        <p:nvPicPr>
+          <p:cNvPr id="7" name="Picture 6">
+            <a:extLst>
+              <a:ext uri="{FF2B5EF4-FFF2-40B4-BE49-F238E27FC236}">
+                <a16:creationId xmlns:a16="http://schemas.microsoft.com/office/drawing/2014/main" id="{A3140EA9-0DD6-4A73-8E6F-8F3B49C5D742}"/>
+              </a:ext>
+            </a:extLst>
+          </p:cNvPr>
+          <p:cNvPicPr>
+            <a:picLocks noChangeAspect="1"/>
+          </p:cNvPicPr>
+          <p:nvPr/>
+        </p:nvPicPr>
+        <p:blipFill>
+          <a:blip r:embed="rId3"/>
+          <a:stretch>
+            <a:fillRect/>
+          </a:stretch>
+        </p:blipFill>
+        <p:spPr>
+          <a:xfrm>
+            <a:off x="1242752" y="2085976"/>
+            <a:ext cx="3620193" cy="4072370"/>
+          </a:xfrm>
+          <a:prstGeom prst="rect">
+            <a:avLst/>
+          </a:prstGeom>
+        </p:spPr>
+      </p:pic>
+    </p:spTree>
+    <p:extLst>
+      <p:ext uri="{BB962C8B-B14F-4D97-AF65-F5344CB8AC3E}">
+        <p14:creationId xmlns:p14="http://schemas.microsoft.com/office/powerpoint/2010/main" val="1886547807"/>
+      </p:ext>
+    </p:extLst>
+  </p:cSld>
+  <p:clrMapOvr>
+    <a:masterClrMapping/>
+  </p:clrMapOvr>
+</p:sld>
+</file>
+
+<file path=ppt/slides/slide9.xml><?xml version="1.0" encoding="utf-8"?>
+<p:sld xmlns:a="http://schemas.openxmlformats.org/drawingml/2006/main" xmlns:r="http://schemas.openxmlformats.org/officeDocument/2006/relationships" xmlns:p="http://schemas.openxmlformats.org/presentationml/2006/main">
+  <p:cSld>
+    <p:spTree>
+      <p:nvGrpSpPr>
+        <p:cNvPr id="1" name=""/>
+        <p:cNvGrpSpPr/>
+        <p:nvPr/>
+      </p:nvGrpSpPr>
+      <p:grpSpPr>
+        <a:xfrm>
+          <a:off x="0" y="0"/>
+          <a:ext cx="0" cy="0"/>
+          <a:chOff x="0" y="0"/>
+          <a:chExt cx="0" cy="0"/>
+        </a:xfrm>
+      </p:grpSpPr>
+      <p:sp>
+        <p:nvSpPr>
+          <p:cNvPr id="2" name="Title 1">
+            <a:extLst>
+              <a:ext uri="{FF2B5EF4-FFF2-40B4-BE49-F238E27FC236}">
+                <a16:creationId xmlns:a16="http://schemas.microsoft.com/office/drawing/2014/main" id="{0D974D9A-95C2-410D-83C4-5E94BDCCB45D}"/>
+              </a:ext>
+            </a:extLst>
+          </p:cNvPr>
+          <p:cNvSpPr>
+            <a:spLocks noGrp="1"/>
+          </p:cNvSpPr>
+          <p:nvPr>
+            <p:ph type="title"/>
+          </p:nvPr>
+        </p:nvSpPr>
+        <p:spPr/>
+        <p:txBody>
+          <a:bodyPr/>
+          <a:lstStyle/>
+          <a:p>
+            <a:r>
+              <a:rPr lang="en-AU" dirty="0"/>
+              <a:t>Functions – manage listing</a:t>
+            </a:r>
+          </a:p>
+        </p:txBody>
+      </p:sp>
+      <p:pic>
+        <p:nvPicPr>
+          <p:cNvPr id="5" name="Content Placeholder 4">
+            <a:extLst>
+              <a:ext uri="{FF2B5EF4-FFF2-40B4-BE49-F238E27FC236}">
+                <a16:creationId xmlns:a16="http://schemas.microsoft.com/office/drawing/2014/main" id="{2DE467BB-547A-407C-B513-E0FB69DE01F1}"/>
+              </a:ext>
+            </a:extLst>
+          </p:cNvPr>
+          <p:cNvPicPr>
+            <a:picLocks noGrp="1" noChangeAspect="1"/>
+          </p:cNvPicPr>
+          <p:nvPr>
+            <p:ph idx="1"/>
+          </p:nvPr>
+        </p:nvPicPr>
+        <p:blipFill>
+          <a:blip r:embed="rId2"/>
+          <a:stretch>
+            <a:fillRect/>
+          </a:stretch>
+        </p:blipFill>
+        <p:spPr>
+          <a:xfrm>
+            <a:off x="1046018" y="2095931"/>
+            <a:ext cx="9455728" cy="1797196"/>
+          </a:xfrm>
+        </p:spPr>
+      </p:pic>
+      <p:pic>
+        <p:nvPicPr>
+          <p:cNvPr id="7" name="Picture 6">
+            <a:extLst>
+              <a:ext uri="{FF2B5EF4-FFF2-40B4-BE49-F238E27FC236}">
+                <a16:creationId xmlns:a16="http://schemas.microsoft.com/office/drawing/2014/main" id="{7001C867-610C-4DBE-BDBD-6EC47B1D5637}"/>
+              </a:ext>
+            </a:extLst>
+          </p:cNvPr>
+          <p:cNvPicPr>
+            <a:picLocks noChangeAspect="1"/>
+          </p:cNvPicPr>
+          <p:nvPr/>
+        </p:nvPicPr>
+        <p:blipFill>
+          <a:blip r:embed="rId3"/>
+          <a:stretch>
+            <a:fillRect/>
+          </a:stretch>
+        </p:blipFill>
+        <p:spPr>
+          <a:xfrm>
+            <a:off x="1097280" y="3893127"/>
+            <a:ext cx="9455729" cy="2119830"/>
+          </a:xfrm>
+          <a:prstGeom prst="rect">
+            <a:avLst/>
+          </a:prstGeom>
+        </p:spPr>
+      </p:pic>
+    </p:spTree>
+    <p:extLst>
+      <p:ext uri="{BB962C8B-B14F-4D97-AF65-F5344CB8AC3E}">
+        <p14:creationId xmlns:p14="http://schemas.microsoft.com/office/powerpoint/2010/main" val="3326099850"/>
       </p:ext>
     </p:extLst>
   </p:cSld>
